--- a/개인/석사학위논문/Thesis Preparation.pptx
+++ b/개인/석사학위논문/Thesis Preparation.pptx
@@ -218,7 +218,7 @@
           <a:p>
             <a:fld id="{DC6EF66D-2E18-4762-A913-8FC90DE37648}" type="datetimeFigureOut">
               <a:rPr lang="ko-KR" altLang="en-US" smtClean="0"/>
-              <a:t>2019-09-24</a:t>
+              <a:t>2019-09-26</a:t>
             </a:fld>
             <a:endParaRPr lang="ko-KR" altLang="en-US"/>
           </a:p>
@@ -701,7 +701,7 @@
           <a:p>
             <a:fld id="{CEDA20BB-A36C-44CB-A9A0-32BED543DE31}" type="datetimeFigureOut">
               <a:rPr lang="ko-KR" altLang="en-US" smtClean="0"/>
-              <a:t>2019-09-24</a:t>
+              <a:t>2019-09-26</a:t>
             </a:fld>
             <a:endParaRPr lang="ko-KR" altLang="en-US"/>
           </a:p>
@@ -871,7 +871,7 @@
           <a:p>
             <a:fld id="{CEDA20BB-A36C-44CB-A9A0-32BED543DE31}" type="datetimeFigureOut">
               <a:rPr lang="ko-KR" altLang="en-US" smtClean="0"/>
-              <a:t>2019-09-24</a:t>
+              <a:t>2019-09-26</a:t>
             </a:fld>
             <a:endParaRPr lang="ko-KR" altLang="en-US"/>
           </a:p>
@@ -1051,7 +1051,7 @@
           <a:p>
             <a:fld id="{CEDA20BB-A36C-44CB-A9A0-32BED543DE31}" type="datetimeFigureOut">
               <a:rPr lang="ko-KR" altLang="en-US" smtClean="0"/>
-              <a:t>2019-09-24</a:t>
+              <a:t>2019-09-26</a:t>
             </a:fld>
             <a:endParaRPr lang="ko-KR" altLang="en-US"/>
           </a:p>
@@ -1221,7 +1221,7 @@
           <a:p>
             <a:fld id="{CEDA20BB-A36C-44CB-A9A0-32BED543DE31}" type="datetimeFigureOut">
               <a:rPr lang="ko-KR" altLang="en-US" smtClean="0"/>
-              <a:t>2019-09-24</a:t>
+              <a:t>2019-09-26</a:t>
             </a:fld>
             <a:endParaRPr lang="ko-KR" altLang="en-US"/>
           </a:p>
@@ -1467,7 +1467,7 @@
           <a:p>
             <a:fld id="{CEDA20BB-A36C-44CB-A9A0-32BED543DE31}" type="datetimeFigureOut">
               <a:rPr lang="ko-KR" altLang="en-US" smtClean="0"/>
-              <a:t>2019-09-24</a:t>
+              <a:t>2019-09-26</a:t>
             </a:fld>
             <a:endParaRPr lang="ko-KR" altLang="en-US"/>
           </a:p>
@@ -1699,7 +1699,7 @@
           <a:p>
             <a:fld id="{CEDA20BB-A36C-44CB-A9A0-32BED543DE31}" type="datetimeFigureOut">
               <a:rPr lang="ko-KR" altLang="en-US" smtClean="0"/>
-              <a:t>2019-09-24</a:t>
+              <a:t>2019-09-26</a:t>
             </a:fld>
             <a:endParaRPr lang="ko-KR" altLang="en-US"/>
           </a:p>
@@ -2066,7 +2066,7 @@
           <a:p>
             <a:fld id="{CEDA20BB-A36C-44CB-A9A0-32BED543DE31}" type="datetimeFigureOut">
               <a:rPr lang="ko-KR" altLang="en-US" smtClean="0"/>
-              <a:t>2019-09-24</a:t>
+              <a:t>2019-09-26</a:t>
             </a:fld>
             <a:endParaRPr lang="ko-KR" altLang="en-US"/>
           </a:p>
@@ -2184,7 +2184,7 @@
           <a:p>
             <a:fld id="{CEDA20BB-A36C-44CB-A9A0-32BED543DE31}" type="datetimeFigureOut">
               <a:rPr lang="ko-KR" altLang="en-US" smtClean="0"/>
-              <a:t>2019-09-24</a:t>
+              <a:t>2019-09-26</a:t>
             </a:fld>
             <a:endParaRPr lang="ko-KR" altLang="en-US"/>
           </a:p>
@@ -2279,7 +2279,7 @@
           <a:p>
             <a:fld id="{CEDA20BB-A36C-44CB-A9A0-32BED543DE31}" type="datetimeFigureOut">
               <a:rPr lang="ko-KR" altLang="en-US" smtClean="0"/>
-              <a:t>2019-09-24</a:t>
+              <a:t>2019-09-26</a:t>
             </a:fld>
             <a:endParaRPr lang="ko-KR" altLang="en-US"/>
           </a:p>
@@ -2556,7 +2556,7 @@
           <a:p>
             <a:fld id="{CEDA20BB-A36C-44CB-A9A0-32BED543DE31}" type="datetimeFigureOut">
               <a:rPr lang="ko-KR" altLang="en-US" smtClean="0"/>
-              <a:t>2019-09-24</a:t>
+              <a:t>2019-09-26</a:t>
             </a:fld>
             <a:endParaRPr lang="ko-KR" altLang="en-US"/>
           </a:p>
@@ -2809,7 +2809,7 @@
           <a:p>
             <a:fld id="{CEDA20BB-A36C-44CB-A9A0-32BED543DE31}" type="datetimeFigureOut">
               <a:rPr lang="ko-KR" altLang="en-US" smtClean="0"/>
-              <a:t>2019-09-24</a:t>
+              <a:t>2019-09-26</a:t>
             </a:fld>
             <a:endParaRPr lang="ko-KR" altLang="en-US"/>
           </a:p>
@@ -3022,7 +3022,7 @@
           <a:p>
             <a:fld id="{CEDA20BB-A36C-44CB-A9A0-32BED543DE31}" type="datetimeFigureOut">
               <a:rPr lang="ko-KR" altLang="en-US" smtClean="0"/>
-              <a:t>2019-09-24</a:t>
+              <a:t>2019-09-26</a:t>
             </a:fld>
             <a:endParaRPr lang="ko-KR" altLang="en-US"/>
           </a:p>
@@ -3814,14 +3814,7 @@
                 <a:latin typeface="Arial" panose="020B0604020202020204" pitchFamily="34" charset="0"/>
                 <a:cs typeface="Arial" panose="020B0604020202020204" pitchFamily="34" charset="0"/>
               </a:rPr>
-              <a:t>In </a:t>
-            </a:r>
-            <a:r>
-              <a:rPr lang="en-US" altLang="ko-KR" sz="1600" dirty="0" smtClean="0">
-                <a:latin typeface="Arial" panose="020B0604020202020204" pitchFamily="34" charset="0"/>
-                <a:cs typeface="Arial" panose="020B0604020202020204" pitchFamily="34" charset="0"/>
-              </a:rPr>
-              <a:t>this study, </a:t>
+              <a:t>In this study, </a:t>
             </a:r>
             <a:endParaRPr lang="ko-KR" altLang="en-US" sz="1600" dirty="0">
               <a:latin typeface="Arial" panose="020B0604020202020204" pitchFamily="34" charset="0"/>
@@ -4836,12 +4829,6 @@
               </a:rPr>
               <a:t>1996.</a:t>
             </a:r>
-            <a:endParaRPr lang="en-US" altLang="ko-KR" sz="1000" dirty="0" smtClean="0">
-              <a:solidFill>
-                <a:srgbClr val="333333"/>
-              </a:solidFill>
-              <a:latin typeface="Times New Roman" panose="02020603050405020304" pitchFamily="18" charset="0"/>
-            </a:endParaRPr>
           </a:p>
         </p:txBody>
       </p:sp>
@@ -5088,8 +5075,8 @@
             <a:chExt cx="4648332" cy="560348"/>
           </a:xfrm>
         </p:grpSpPr>
-        <mc:AlternateContent xmlns:mc="http://schemas.openxmlformats.org/markup-compatibility/2006">
-          <mc:Choice xmlns:a14="http://schemas.microsoft.com/office/drawing/2010/main" Requires="a14">
+        <mc:AlternateContent xmlns:mc="http://schemas.openxmlformats.org/markup-compatibility/2006" xmlns:a14="http://schemas.microsoft.com/office/drawing/2010/main">
+          <mc:Choice Requires="a14">
             <p:sp>
               <p:nvSpPr>
                 <p:cNvPr id="24" name="TextBox 23"/>
@@ -5153,7 +5140,7 @@
               </p:txBody>
             </p:sp>
           </mc:Choice>
-          <mc:Fallback>
+          <mc:Fallback xmlns="">
             <p:sp>
               <p:nvSpPr>
                 <p:cNvPr id="24" name="TextBox 23"/>
@@ -5192,8 +5179,8 @@
             </p:sp>
           </mc:Fallback>
         </mc:AlternateContent>
-        <mc:AlternateContent xmlns:mc="http://schemas.openxmlformats.org/markup-compatibility/2006">
-          <mc:Choice xmlns:a14="http://schemas.microsoft.com/office/drawing/2010/main" Requires="a14">
+        <mc:AlternateContent xmlns:mc="http://schemas.openxmlformats.org/markup-compatibility/2006" xmlns:a14="http://schemas.microsoft.com/office/drawing/2010/main">
+          <mc:Choice Requires="a14">
             <p:sp>
               <p:nvSpPr>
                 <p:cNvPr id="25" name="TextBox 24"/>
@@ -5260,7 +5247,7 @@
               </p:txBody>
             </p:sp>
           </mc:Choice>
-          <mc:Fallback>
+          <mc:Fallback xmlns="">
             <p:sp>
               <p:nvSpPr>
                 <p:cNvPr id="25" name="TextBox 24"/>
@@ -5299,8 +5286,8 @@
             </p:sp>
           </mc:Fallback>
         </mc:AlternateContent>
-        <mc:AlternateContent xmlns:mc="http://schemas.openxmlformats.org/markup-compatibility/2006">
-          <mc:Choice xmlns:a14="http://schemas.microsoft.com/office/drawing/2010/main" Requires="a14">
+        <mc:AlternateContent xmlns:mc="http://schemas.openxmlformats.org/markup-compatibility/2006" xmlns:a14="http://schemas.microsoft.com/office/drawing/2010/main">
+          <mc:Choice Requires="a14">
             <p:sp>
               <p:nvSpPr>
                 <p:cNvPr id="26" name="TextBox 25"/>
@@ -5366,7 +5353,7 @@
               </p:txBody>
             </p:sp>
           </mc:Choice>
-          <mc:Fallback>
+          <mc:Fallback xmlns="">
             <p:sp>
               <p:nvSpPr>
                 <p:cNvPr id="26" name="TextBox 25"/>
@@ -5405,8 +5392,8 @@
             </p:sp>
           </mc:Fallback>
         </mc:AlternateContent>
-        <mc:AlternateContent xmlns:mc="http://schemas.openxmlformats.org/markup-compatibility/2006">
-          <mc:Choice xmlns:a14="http://schemas.microsoft.com/office/drawing/2010/main" Requires="a14">
+        <mc:AlternateContent xmlns:mc="http://schemas.openxmlformats.org/markup-compatibility/2006" xmlns:a14="http://schemas.microsoft.com/office/drawing/2010/main">
+          <mc:Choice Requires="a14">
             <p:sp>
               <p:nvSpPr>
                 <p:cNvPr id="27" name="TextBox 26"/>
@@ -5472,7 +5459,7 @@
               </p:txBody>
             </p:sp>
           </mc:Choice>
-          <mc:Fallback>
+          <mc:Fallback xmlns="">
             <p:sp>
               <p:nvSpPr>
                 <p:cNvPr id="27" name="TextBox 26"/>
@@ -6376,14 +6363,7 @@
                   <a:latin typeface="Arial" panose="020B0604020202020204" pitchFamily="34" charset="0"/>
                   <a:cs typeface="Arial" panose="020B0604020202020204" pitchFamily="34" charset="0"/>
                 </a:rPr>
-                <a:t>w</a:t>
-              </a:r>
-              <a:r>
-                <a:rPr lang="en-US" altLang="ko-KR" dirty="0" err="1">
-                  <a:latin typeface="Arial" panose="020B0604020202020204" pitchFamily="34" charset="0"/>
-                  <a:cs typeface="Arial" panose="020B0604020202020204" pitchFamily="34" charset="0"/>
-                </a:rPr>
-                <a:t>x+b</a:t>
+                <a:t>wx+b</a:t>
               </a:r>
               <a:endParaRPr lang="ko-KR" altLang="en-US" dirty="0">
                 <a:latin typeface="Arial" panose="020B0604020202020204" pitchFamily="34" charset="0"/>
@@ -7337,8 +7317,8 @@
           </a:ln>
         </p:spPr>
       </p:pic>
-      <mc:AlternateContent xmlns:mc="http://schemas.openxmlformats.org/markup-compatibility/2006">
-        <mc:Choice xmlns:a14="http://schemas.microsoft.com/office/drawing/2010/main" Requires="a14">
+      <mc:AlternateContent xmlns:mc="http://schemas.openxmlformats.org/markup-compatibility/2006" xmlns:a14="http://schemas.microsoft.com/office/drawing/2010/main">
+        <mc:Choice Requires="a14">
           <p:sp>
             <p:nvSpPr>
               <p:cNvPr id="53" name="TextBox 52"/>
@@ -7385,7 +7365,7 @@
             </p:txBody>
           </p:sp>
         </mc:Choice>
-        <mc:Fallback>
+        <mc:Fallback xmlns="">
           <p:sp>
             <p:nvSpPr>
               <p:cNvPr id="53" name="TextBox 52"/>
@@ -7424,8 +7404,8 @@
           </p:sp>
         </mc:Fallback>
       </mc:AlternateContent>
-      <mc:AlternateContent xmlns:mc="http://schemas.openxmlformats.org/markup-compatibility/2006">
-        <mc:Choice xmlns:a14="http://schemas.microsoft.com/office/drawing/2010/main" Requires="a14">
+      <mc:AlternateContent xmlns:mc="http://schemas.openxmlformats.org/markup-compatibility/2006" xmlns:a14="http://schemas.microsoft.com/office/drawing/2010/main">
+        <mc:Choice Requires="a14">
           <p:sp>
             <p:nvSpPr>
               <p:cNvPr id="54" name="TextBox 53"/>
@@ -7472,7 +7452,7 @@
             </p:txBody>
           </p:sp>
         </mc:Choice>
-        <mc:Fallback>
+        <mc:Fallback xmlns="">
           <p:sp>
             <p:nvSpPr>
               <p:cNvPr id="54" name="TextBox 53"/>
@@ -7584,8 +7564,8 @@
           </a:p>
         </p:txBody>
       </p:sp>
-      <mc:AlternateContent xmlns:mc="http://schemas.openxmlformats.org/markup-compatibility/2006">
-        <mc:Choice xmlns:a14="http://schemas.microsoft.com/office/drawing/2010/main" Requires="a14">
+      <mc:AlternateContent xmlns:mc="http://schemas.openxmlformats.org/markup-compatibility/2006" xmlns:a14="http://schemas.microsoft.com/office/drawing/2010/main">
+        <mc:Choice Requires="a14">
           <p:sp>
             <p:nvSpPr>
               <p:cNvPr id="101" name="TextBox 100"/>
@@ -7632,7 +7612,7 @@
             </p:txBody>
           </p:sp>
         </mc:Choice>
-        <mc:Fallback>
+        <mc:Fallback xmlns="">
           <p:sp>
             <p:nvSpPr>
               <p:cNvPr id="101" name="TextBox 100"/>
@@ -7671,8 +7651,8 @@
           </p:sp>
         </mc:Fallback>
       </mc:AlternateContent>
-      <mc:AlternateContent xmlns:mc="http://schemas.openxmlformats.org/markup-compatibility/2006">
-        <mc:Choice xmlns:a14="http://schemas.microsoft.com/office/drawing/2010/main" Requires="a14">
+      <mc:AlternateContent xmlns:mc="http://schemas.openxmlformats.org/markup-compatibility/2006" xmlns:a14="http://schemas.microsoft.com/office/drawing/2010/main">
+        <mc:Choice Requires="a14">
           <p:sp>
             <p:nvSpPr>
               <p:cNvPr id="102" name="TextBox 101"/>
@@ -7913,7 +7893,7 @@
             </p:txBody>
           </p:sp>
         </mc:Choice>
-        <mc:Fallback>
+        <mc:Fallback xmlns="">
           <p:sp>
             <p:nvSpPr>
               <p:cNvPr id="102" name="TextBox 101"/>
@@ -8531,42 +8511,18 @@
                   <a:schemeClr val="tx1"/>
                 </a:solidFill>
               </a:rPr>
-              <a:t>b </a:t>
-            </a:r>
+              <a:t>b = 1</a:t>
+            </a:r>
+          </a:p>
+          <a:p>
+            <a:pPr algn="ctr"/>
             <a:r>
               <a:rPr lang="en-US" altLang="ko-KR" dirty="0">
                 <a:solidFill>
                   <a:schemeClr val="tx1"/>
                 </a:solidFill>
               </a:rPr>
-              <a:t>= </a:t>
-            </a:r>
-            <a:r>
-              <a:rPr lang="en-US" altLang="ko-KR" dirty="0">
-                <a:solidFill>
-                  <a:schemeClr val="tx1"/>
-                </a:solidFill>
-              </a:rPr>
-              <a:t>1</a:t>
-            </a:r>
-          </a:p>
-          <a:p>
-            <a:pPr algn="ctr"/>
-            <a:r>
-              <a:rPr lang="en-US" altLang="ko-KR" dirty="0">
-                <a:solidFill>
-                  <a:schemeClr val="tx1"/>
-                </a:solidFill>
-              </a:rPr>
-              <a:t>w </a:t>
-            </a:r>
-            <a:r>
-              <a:rPr lang="en-US" altLang="ko-KR" dirty="0">
-                <a:solidFill>
-                  <a:schemeClr val="tx1"/>
-                </a:solidFill>
-              </a:rPr>
-              <a:t>= 1</a:t>
+              <a:t>w = 1</a:t>
             </a:r>
             <a:endParaRPr lang="ko-KR" altLang="en-US" dirty="0">
               <a:solidFill>
@@ -9002,14 +8958,7 @@
                   <a:latin typeface="Arial" panose="020B0604020202020204" pitchFamily="34" charset="0"/>
                   <a:cs typeface="Arial" panose="020B0604020202020204" pitchFamily="34" charset="0"/>
                 </a:rPr>
-                <a:t>w</a:t>
-              </a:r>
-              <a:r>
-                <a:rPr lang="en-US" altLang="ko-KR" dirty="0" err="1">
-                  <a:latin typeface="Arial" panose="020B0604020202020204" pitchFamily="34" charset="0"/>
-                  <a:cs typeface="Arial" panose="020B0604020202020204" pitchFamily="34" charset="0"/>
-                </a:rPr>
-                <a:t>x+b</a:t>
+                <a:t>wx+b</a:t>
               </a:r>
               <a:endParaRPr lang="ko-KR" altLang="en-US" dirty="0">
                 <a:latin typeface="Arial" panose="020B0604020202020204" pitchFamily="34" charset="0"/>
@@ -9733,14 +9682,7 @@
                   <a:latin typeface="Arial" panose="020B0604020202020204" pitchFamily="34" charset="0"/>
                   <a:cs typeface="Arial" panose="020B0604020202020204" pitchFamily="34" charset="0"/>
                 </a:rPr>
-                <a:t>w</a:t>
-              </a:r>
-              <a:r>
-                <a:rPr lang="en-US" altLang="ko-KR" dirty="0" err="1">
-                  <a:latin typeface="Arial" panose="020B0604020202020204" pitchFamily="34" charset="0"/>
-                  <a:cs typeface="Arial" panose="020B0604020202020204" pitchFamily="34" charset="0"/>
-                </a:rPr>
-                <a:t>x+b</a:t>
+                <a:t>wx+b</a:t>
               </a:r>
               <a:endParaRPr lang="ko-KR" altLang="en-US" dirty="0">
                 <a:latin typeface="Arial" panose="020B0604020202020204" pitchFamily="34" charset="0"/>
@@ -10622,8 +10564,8 @@
             <a:chExt cx="4648332" cy="560348"/>
           </a:xfrm>
         </p:grpSpPr>
-        <mc:AlternateContent xmlns:mc="http://schemas.openxmlformats.org/markup-compatibility/2006">
-          <mc:Choice xmlns:a14="http://schemas.microsoft.com/office/drawing/2010/main" Requires="a14">
+        <mc:AlternateContent xmlns:mc="http://schemas.openxmlformats.org/markup-compatibility/2006" xmlns:a14="http://schemas.microsoft.com/office/drawing/2010/main">
+          <mc:Choice Requires="a14">
             <p:sp>
               <p:nvSpPr>
                 <p:cNvPr id="28" name="TextBox 27"/>
@@ -10687,7 +10629,7 @@
               </p:txBody>
             </p:sp>
           </mc:Choice>
-          <mc:Fallback>
+          <mc:Fallback xmlns="">
             <p:sp>
               <p:nvSpPr>
                 <p:cNvPr id="28" name="TextBox 27"/>
@@ -10726,8 +10668,8 @@
             </p:sp>
           </mc:Fallback>
         </mc:AlternateContent>
-        <mc:AlternateContent xmlns:mc="http://schemas.openxmlformats.org/markup-compatibility/2006">
-          <mc:Choice xmlns:a14="http://schemas.microsoft.com/office/drawing/2010/main" Requires="a14">
+        <mc:AlternateContent xmlns:mc="http://schemas.openxmlformats.org/markup-compatibility/2006" xmlns:a14="http://schemas.microsoft.com/office/drawing/2010/main">
+          <mc:Choice Requires="a14">
             <p:sp>
               <p:nvSpPr>
                 <p:cNvPr id="29" name="TextBox 28"/>
@@ -10794,7 +10736,7 @@
               </p:txBody>
             </p:sp>
           </mc:Choice>
-          <mc:Fallback>
+          <mc:Fallback xmlns="">
             <p:sp>
               <p:nvSpPr>
                 <p:cNvPr id="29" name="TextBox 28"/>
@@ -10833,8 +10775,8 @@
             </p:sp>
           </mc:Fallback>
         </mc:AlternateContent>
-        <mc:AlternateContent xmlns:mc="http://schemas.openxmlformats.org/markup-compatibility/2006">
-          <mc:Choice xmlns:a14="http://schemas.microsoft.com/office/drawing/2010/main" Requires="a14">
+        <mc:AlternateContent xmlns:mc="http://schemas.openxmlformats.org/markup-compatibility/2006" xmlns:a14="http://schemas.microsoft.com/office/drawing/2010/main">
+          <mc:Choice Requires="a14">
             <p:sp>
               <p:nvSpPr>
                 <p:cNvPr id="30" name="TextBox 29"/>
@@ -10900,7 +10842,7 @@
               </p:txBody>
             </p:sp>
           </mc:Choice>
-          <mc:Fallback>
+          <mc:Fallback xmlns="">
             <p:sp>
               <p:nvSpPr>
                 <p:cNvPr id="30" name="TextBox 29"/>
@@ -10939,8 +10881,8 @@
             </p:sp>
           </mc:Fallback>
         </mc:AlternateContent>
-        <mc:AlternateContent xmlns:mc="http://schemas.openxmlformats.org/markup-compatibility/2006">
-          <mc:Choice xmlns:a14="http://schemas.microsoft.com/office/drawing/2010/main" Requires="a14">
+        <mc:AlternateContent xmlns:mc="http://schemas.openxmlformats.org/markup-compatibility/2006" xmlns:a14="http://schemas.microsoft.com/office/drawing/2010/main">
+          <mc:Choice Requires="a14">
             <p:sp>
               <p:nvSpPr>
                 <p:cNvPr id="31" name="TextBox 30"/>
@@ -11006,7 +10948,7 @@
               </p:txBody>
             </p:sp>
           </mc:Choice>
-          <mc:Fallback>
+          <mc:Fallback xmlns="">
             <p:sp>
               <p:nvSpPr>
                 <p:cNvPr id="31" name="TextBox 30"/>
@@ -11265,331 +11207,964 @@
           </a:p>
         </p:txBody>
       </p:sp>
+      <mc:AlternateContent xmlns:mc="http://schemas.openxmlformats.org/markup-compatibility/2006">
+        <mc:Choice xmlns:a14="http://schemas.microsoft.com/office/drawing/2010/main" Requires="a14">
+          <p:sp>
+            <p:nvSpPr>
+              <p:cNvPr id="5" name="TextBox 4"/>
+              <p:cNvSpPr txBox="1"/>
+              <p:nvPr/>
+            </p:nvSpPr>
+            <p:spPr>
+              <a:xfrm>
+                <a:off x="1" y="400110"/>
+                <a:ext cx="12191999" cy="6033383"/>
+              </a:xfrm>
+              <a:prstGeom prst="rect">
+                <a:avLst/>
+              </a:prstGeom>
+              <a:noFill/>
+            </p:spPr>
+            <p:txBody>
+              <a:bodyPr wrap="square" rtlCol="0">
+                <a:spAutoFit/>
+              </a:bodyPr>
+              <a:lstStyle/>
+              <a:p>
+                <a:pPr>
+                  <a:lnSpc>
+                    <a:spcPct val="150000"/>
+                  </a:lnSpc>
+                </a:pPr>
+                <a:r>
+                  <a:rPr lang="en-US" altLang="ko-KR" sz="1600" dirty="0" smtClean="0">
+                    <a:latin typeface="Arial" panose="020B0604020202020204" pitchFamily="34" charset="0"/>
+                    <a:cs typeface="Arial" panose="020B0604020202020204" pitchFamily="34" charset="0"/>
+                  </a:rPr>
+                  <a:t>Paragraphs </a:t>
+                </a:r>
+                <a:r>
+                  <a:rPr lang="ko-KR" altLang="en-US" sz="1600" dirty="0" smtClean="0">
+                    <a:latin typeface="Arial" panose="020B0604020202020204" pitchFamily="34" charset="0"/>
+                    <a:cs typeface="Arial" panose="020B0604020202020204" pitchFamily="34" charset="0"/>
+                  </a:rPr>
+                  <a:t>구성</a:t>
+                </a:r>
+                <a:endParaRPr lang="en-US" altLang="ko-KR" sz="1600" dirty="0" smtClean="0">
+                  <a:latin typeface="Arial" panose="020B0604020202020204" pitchFamily="34" charset="0"/>
+                  <a:cs typeface="Arial" panose="020B0604020202020204" pitchFamily="34" charset="0"/>
+                </a:endParaRPr>
+              </a:p>
+              <a:p>
+                <a:pPr marL="285750" indent="-285750">
+                  <a:lnSpc>
+                    <a:spcPct val="150000"/>
+                  </a:lnSpc>
+                  <a:buFont typeface="Arial" panose="020B0604020202020204" pitchFamily="34" charset="0"/>
+                  <a:buChar char="•"/>
+                </a:pPr>
+                <a:r>
+                  <a:rPr lang="en-US" altLang="ko-KR" sz="1600" b="1" dirty="0" smtClean="0">
+                    <a:latin typeface="Arial" panose="020B0604020202020204" pitchFamily="34" charset="0"/>
+                    <a:cs typeface="Arial" panose="020B0604020202020204" pitchFamily="34" charset="0"/>
+                  </a:rPr>
+                  <a:t>Integrated </a:t>
+                </a:r>
+                <a:r>
+                  <a:rPr lang="en-US" altLang="ko-KR" sz="1600" b="1" dirty="0">
+                    <a:latin typeface="Arial" panose="020B0604020202020204" pitchFamily="34" charset="0"/>
+                    <a:cs typeface="Arial" panose="020B0604020202020204" pitchFamily="34" charset="0"/>
+                  </a:rPr>
+                  <a:t>photonic </a:t>
+                </a:r>
+                <a:r>
+                  <a:rPr lang="en-US" altLang="ko-KR" sz="1600" b="1" dirty="0" smtClean="0">
+                    <a:latin typeface="Arial" panose="020B0604020202020204" pitchFamily="34" charset="0"/>
+                    <a:cs typeface="Arial" panose="020B0604020202020204" pitchFamily="34" charset="0"/>
+                  </a:rPr>
+                  <a:t>1x2 </a:t>
+                </a:r>
+                <a:r>
+                  <a:rPr lang="en-US" altLang="ko-KR" sz="1600" b="1" dirty="0">
+                    <a:latin typeface="Arial" panose="020B0604020202020204" pitchFamily="34" charset="0"/>
+                    <a:cs typeface="Arial" panose="020B0604020202020204" pitchFamily="34" charset="0"/>
+                  </a:rPr>
+                  <a:t>power splitter</a:t>
+                </a:r>
+              </a:p>
+              <a:p>
+                <a:pPr marL="285750" indent="-285750">
+                  <a:lnSpc>
+                    <a:spcPct val="150000"/>
+                  </a:lnSpc>
+                  <a:buFontTx/>
+                  <a:buChar char="-"/>
+                </a:pPr>
+                <a:r>
+                  <a:rPr lang="en-US" altLang="ko-KR" sz="1600" dirty="0" smtClean="0">
+                    <a:latin typeface="Arial" panose="020B0604020202020204" pitchFamily="34" charset="0"/>
+                    <a:cs typeface="Arial" panose="020B0604020202020204" pitchFamily="34" charset="0"/>
+                  </a:rPr>
+                  <a:t>Not a arbitrary device, fixed size.</a:t>
+                </a:r>
+              </a:p>
+              <a:p>
+                <a:pPr marL="285750" indent="-285750">
+                  <a:lnSpc>
+                    <a:spcPct val="150000"/>
+                  </a:lnSpc>
+                  <a:buFontTx/>
+                  <a:buChar char="-"/>
+                </a:pPr>
+                <a:r>
+                  <a:rPr lang="en-US" altLang="ko-KR" sz="1600" dirty="0" smtClean="0">
+                    <a:latin typeface="Arial" panose="020B0604020202020204" pitchFamily="34" charset="0"/>
+                    <a:cs typeface="Arial" panose="020B0604020202020204" pitchFamily="34" charset="0"/>
+                  </a:rPr>
+                  <a:t>150 </a:t>
+                </a:r>
+                <a:r>
+                  <a:rPr lang="en-US" altLang="ko-KR" sz="1600" dirty="0" smtClean="0">
+                    <a:latin typeface="Arial" panose="020B0604020202020204" pitchFamily="34" charset="0"/>
+                    <a:cs typeface="Arial" panose="020B0604020202020204" pitchFamily="34" charset="0"/>
+                  </a:rPr>
+                  <a:t>~ </a:t>
+                </a:r>
+                <a:r>
+                  <a:rPr lang="en-US" altLang="ko-KR" sz="1600" dirty="0" smtClean="0">
+                    <a:latin typeface="Arial" panose="020B0604020202020204" pitchFamily="34" charset="0"/>
+                    <a:cs typeface="Arial" panose="020B0604020202020204" pitchFamily="34" charset="0"/>
+                  </a:rPr>
+                  <a:t>3000 um (0.1 ~ 2 THz), maximize 300 um (1 THz) with 50 um bandwidth</a:t>
+                </a:r>
+                <a:endParaRPr lang="en-US" altLang="ko-KR" sz="1600" dirty="0">
+                  <a:latin typeface="Arial" panose="020B0604020202020204" pitchFamily="34" charset="0"/>
+                  <a:cs typeface="Arial" panose="020B0604020202020204" pitchFamily="34" charset="0"/>
+                </a:endParaRPr>
+              </a:p>
+              <a:p>
+                <a:pPr marL="285750" indent="-285750">
+                  <a:lnSpc>
+                    <a:spcPct val="150000"/>
+                  </a:lnSpc>
+                  <a:buFontTx/>
+                  <a:buChar char="-"/>
+                </a:pPr>
+                <a:r>
+                  <a:rPr lang="en-US" altLang="ko-KR" sz="1600" dirty="0" smtClean="0">
+                    <a:latin typeface="Arial" panose="020B0604020202020204" pitchFamily="34" charset="0"/>
+                    <a:cs typeface="Arial" panose="020B0604020202020204" pitchFamily="34" charset="0"/>
+                  </a:rPr>
+                  <a:t>Fundamental TE mode</a:t>
+                </a:r>
+              </a:p>
+              <a:p>
+                <a:pPr marL="285750" indent="-285750">
+                  <a:lnSpc>
+                    <a:spcPct val="150000"/>
+                  </a:lnSpc>
+                  <a:buFontTx/>
+                  <a:buChar char="-"/>
+                </a:pPr>
+                <a:r>
+                  <a:rPr lang="en-US" altLang="ko-KR" sz="1600" dirty="0" smtClean="0">
+                    <a:latin typeface="Arial" panose="020B0604020202020204" pitchFamily="34" charset="0"/>
+                    <a:cs typeface="Arial" panose="020B0604020202020204" pitchFamily="34" charset="0"/>
+                  </a:rPr>
+                  <a:t>Refractive index is fixed </a:t>
+                </a:r>
+                <a:r>
+                  <a:rPr lang="en-US" altLang="ko-KR" sz="1600" dirty="0" smtClean="0">
+                    <a:latin typeface="Arial" panose="020B0604020202020204" pitchFamily="34" charset="0"/>
+                    <a:cs typeface="Arial" panose="020B0604020202020204" pitchFamily="34" charset="0"/>
+                  </a:rPr>
+                  <a:t>to </a:t>
+                </a:r>
+                <a14:m>
+                  <m:oMath xmlns:m="http://schemas.openxmlformats.org/officeDocument/2006/math">
+                    <m:sSub>
+                      <m:sSubPr>
+                        <m:ctrlPr>
+                          <a:rPr lang="en-US" altLang="ko-KR" sz="1600" b="0" i="1" smtClean="0">
+                            <a:latin typeface="Cambria Math" panose="02040503050406030204" pitchFamily="18" charset="0"/>
+                            <a:cs typeface="Arial" panose="020B0604020202020204" pitchFamily="34" charset="0"/>
+                          </a:rPr>
+                        </m:ctrlPr>
+                      </m:sSubPr>
+                      <m:e>
+                        <m:r>
+                          <a:rPr lang="en-US" altLang="ko-KR" sz="1600" b="0" i="1" smtClean="0">
+                            <a:latin typeface="Cambria Math" panose="02040503050406030204" pitchFamily="18" charset="0"/>
+                            <a:cs typeface="Arial" panose="020B0604020202020204" pitchFamily="34" charset="0"/>
+                          </a:rPr>
+                          <m:t>𝑛</m:t>
+                        </m:r>
+                      </m:e>
+                      <m:sub>
+                        <m:r>
+                          <a:rPr lang="en-US" altLang="ko-KR" sz="1600" b="0" i="1" smtClean="0">
+                            <a:latin typeface="Cambria Math" panose="02040503050406030204" pitchFamily="18" charset="0"/>
+                            <a:cs typeface="Arial" panose="020B0604020202020204" pitchFamily="34" charset="0"/>
+                          </a:rPr>
+                          <m:t>𝑎𝑖𝑟</m:t>
+                        </m:r>
+                      </m:sub>
+                    </m:sSub>
+                    <m:r>
+                      <a:rPr lang="en-US" altLang="ko-KR" sz="1600" b="0" i="1" smtClean="0">
+                        <a:latin typeface="Cambria Math" panose="02040503050406030204" pitchFamily="18" charset="0"/>
+                        <a:cs typeface="Arial" panose="020B0604020202020204" pitchFamily="34" charset="0"/>
+                      </a:rPr>
+                      <m:t>=1</m:t>
+                    </m:r>
+                  </m:oMath>
+                </a14:m>
+                <a:r>
+                  <a:rPr lang="en-US" altLang="ko-KR" sz="1600" dirty="0" smtClean="0">
+                    <a:latin typeface="Arial" panose="020B0604020202020204" pitchFamily="34" charset="0"/>
+                    <a:cs typeface="Arial" panose="020B0604020202020204" pitchFamily="34" charset="0"/>
+                  </a:rPr>
+                  <a:t>, </a:t>
+                </a:r>
+                <a14:m>
+                  <m:oMath xmlns:m="http://schemas.openxmlformats.org/officeDocument/2006/math">
+                    <m:sSub>
+                      <m:sSubPr>
+                        <m:ctrlPr>
+                          <a:rPr lang="en-US" altLang="ko-KR" sz="1600" b="0" i="1" smtClean="0">
+                            <a:latin typeface="Cambria Math" panose="02040503050406030204" pitchFamily="18" charset="0"/>
+                            <a:cs typeface="Arial" panose="020B0604020202020204" pitchFamily="34" charset="0"/>
+                          </a:rPr>
+                        </m:ctrlPr>
+                      </m:sSubPr>
+                      <m:e>
+                        <m:r>
+                          <a:rPr lang="en-US" altLang="ko-KR" sz="1600" b="0" i="1" smtClean="0">
+                            <a:latin typeface="Cambria Math" panose="02040503050406030204" pitchFamily="18" charset="0"/>
+                            <a:cs typeface="Arial" panose="020B0604020202020204" pitchFamily="34" charset="0"/>
+                          </a:rPr>
+                          <m:t>𝑛</m:t>
+                        </m:r>
+                      </m:e>
+                      <m:sub>
+                        <m:r>
+                          <m:rPr>
+                            <m:sty m:val="p"/>
+                          </m:rPr>
+                          <a:rPr lang="en-US" altLang="ko-KR" sz="1600" b="0" i="0" smtClean="0">
+                            <a:latin typeface="Cambria Math" panose="02040503050406030204" pitchFamily="18" charset="0"/>
+                            <a:cs typeface="Arial" panose="020B0604020202020204" pitchFamily="34" charset="0"/>
+                          </a:rPr>
+                          <m:t>Si</m:t>
+                        </m:r>
+                        <m:sSub>
+                          <m:sSubPr>
+                            <m:ctrlPr>
+                              <a:rPr lang="en-US" altLang="ko-KR" sz="1600" b="0" smtClean="0">
+                                <a:latin typeface="Cambria Math" panose="02040503050406030204" pitchFamily="18" charset="0"/>
+                                <a:cs typeface="Arial" panose="020B0604020202020204" pitchFamily="34" charset="0"/>
+                              </a:rPr>
+                            </m:ctrlPr>
+                          </m:sSubPr>
+                          <m:e>
+                            <m:r>
+                              <m:rPr>
+                                <m:sty m:val="p"/>
+                              </m:rPr>
+                              <a:rPr lang="en-US" altLang="ko-KR" sz="1600" b="0" i="0" smtClean="0">
+                                <a:latin typeface="Cambria Math" panose="02040503050406030204" pitchFamily="18" charset="0"/>
+                                <a:cs typeface="Arial" panose="020B0604020202020204" pitchFamily="34" charset="0"/>
+                              </a:rPr>
+                              <m:t>O</m:t>
+                            </m:r>
+                          </m:e>
+                          <m:sub>
+                            <m:r>
+                              <a:rPr lang="en-US" altLang="ko-KR" sz="1600" b="0" i="0" smtClean="0">
+                                <a:latin typeface="Cambria Math" panose="02040503050406030204" pitchFamily="18" charset="0"/>
+                                <a:cs typeface="Arial" panose="020B0604020202020204" pitchFamily="34" charset="0"/>
+                              </a:rPr>
+                              <m:t>2</m:t>
+                            </m:r>
+                          </m:sub>
+                        </m:sSub>
+                      </m:sub>
+                    </m:sSub>
+                    <m:r>
+                      <a:rPr lang="en-US" altLang="ko-KR" sz="1600" b="0" i="1" smtClean="0">
+                        <a:latin typeface="Cambria Math" panose="02040503050406030204" pitchFamily="18" charset="0"/>
+                        <a:cs typeface="Arial" panose="020B0604020202020204" pitchFamily="34" charset="0"/>
+                      </a:rPr>
+                      <m:t>=2.092</m:t>
+                    </m:r>
+                  </m:oMath>
+                </a14:m>
+                <a:r>
+                  <a:rPr lang="en-US" altLang="ko-KR" sz="1600" dirty="0" smtClean="0">
+                    <a:latin typeface="Arial" panose="020B0604020202020204" pitchFamily="34" charset="0"/>
+                    <a:cs typeface="Arial" panose="020B0604020202020204" pitchFamily="34" charset="0"/>
+                  </a:rPr>
+                  <a:t> </a:t>
+                </a:r>
+                <a:r>
+                  <a:rPr lang="en-US" altLang="ko-KR" sz="1600" dirty="0" smtClean="0">
+                    <a:latin typeface="Arial" panose="020B0604020202020204" pitchFamily="34" charset="0"/>
+                    <a:cs typeface="Arial" panose="020B0604020202020204" pitchFamily="34" charset="0"/>
+                  </a:rPr>
+                  <a:t>at 1 THz [30]</a:t>
+                </a:r>
+                <a:endParaRPr lang="en-US" altLang="ko-KR" sz="1600" dirty="0" smtClean="0">
+                  <a:latin typeface="Arial" panose="020B0604020202020204" pitchFamily="34" charset="0"/>
+                  <a:cs typeface="Arial" panose="020B0604020202020204" pitchFamily="34" charset="0"/>
+                </a:endParaRPr>
+              </a:p>
+              <a:p>
+                <a:pPr marL="285750" indent="-285750">
+                  <a:lnSpc>
+                    <a:spcPct val="150000"/>
+                  </a:lnSpc>
+                  <a:buFontTx/>
+                  <a:buChar char="-"/>
+                </a:pPr>
+                <a:r>
+                  <a:rPr lang="en-US" altLang="ko-KR" sz="1600" i="1" dirty="0" smtClean="0">
+                    <a:latin typeface="Times New Roman" panose="02020603050405020304" pitchFamily="18" charset="0"/>
+                    <a:cs typeface="Times New Roman" panose="02020603050405020304" pitchFamily="18" charset="0"/>
+                  </a:rPr>
+                  <a:t>Figure</a:t>
+                </a:r>
+                <a:r>
+                  <a:rPr lang="en-US" altLang="ko-KR" sz="1600" i="1" dirty="0">
+                    <a:latin typeface="Times New Roman" panose="02020603050405020304" pitchFamily="18" charset="0"/>
+                    <a:cs typeface="Times New Roman" panose="02020603050405020304" pitchFamily="18" charset="0"/>
+                  </a:rPr>
+                  <a:t>: </a:t>
+                </a:r>
+                <a:r>
+                  <a:rPr lang="en-US" altLang="ko-KR" sz="1600" i="1" dirty="0" smtClean="0">
+                    <a:latin typeface="Times New Roman" panose="02020603050405020304" pitchFamily="18" charset="0"/>
+                    <a:cs typeface="Times New Roman" panose="02020603050405020304" pitchFamily="18" charset="0"/>
+                  </a:rPr>
+                  <a:t>Design base structure and condition</a:t>
+                </a:r>
+                <a:endParaRPr lang="en-US" altLang="ko-KR" sz="1600" dirty="0" smtClean="0">
+                  <a:latin typeface="Times New Roman" panose="02020603050405020304" pitchFamily="18" charset="0"/>
+                  <a:cs typeface="Times New Roman" panose="02020603050405020304" pitchFamily="18" charset="0"/>
+                </a:endParaRPr>
+              </a:p>
+              <a:p>
+                <a:pPr marL="285750" indent="-285750">
+                  <a:lnSpc>
+                    <a:spcPct val="150000"/>
+                  </a:lnSpc>
+                  <a:buFont typeface="Arial" panose="020B0604020202020204" pitchFamily="34" charset="0"/>
+                  <a:buChar char="•"/>
+                </a:pPr>
+                <a:r>
+                  <a:rPr lang="en-US" altLang="ko-KR" sz="1600" b="1" dirty="0" smtClean="0">
+                    <a:latin typeface="Arial" panose="020B0604020202020204" pitchFamily="34" charset="0"/>
+                    <a:cs typeface="Arial" panose="020B0604020202020204" pitchFamily="34" charset="0"/>
+                  </a:rPr>
+                  <a:t>Reward = </a:t>
+                </a:r>
+                <a:r>
+                  <a:rPr lang="en-US" altLang="ko-KR" sz="1600" b="1" dirty="0" err="1" smtClean="0">
+                    <a:latin typeface="Arial" panose="020B0604020202020204" pitchFamily="34" charset="0"/>
+                    <a:cs typeface="Arial" panose="020B0604020202020204" pitchFamily="34" charset="0"/>
+                  </a:rPr>
+                  <a:t>Rin</a:t>
+                </a:r>
+                <a:r>
+                  <a:rPr lang="en-US" altLang="ko-KR" sz="1600" b="1" dirty="0" smtClean="0">
+                    <a:latin typeface="Arial" panose="020B0604020202020204" pitchFamily="34" charset="0"/>
+                    <a:cs typeface="Arial" panose="020B0604020202020204" pitchFamily="34" charset="0"/>
+                  </a:rPr>
+                  <a:t> * (1 – Rout) </a:t>
+                </a:r>
+                <a:r>
+                  <a:rPr lang="en-US" altLang="ko-KR" sz="1600" b="1" dirty="0" smtClean="0">
+                    <a:latin typeface="Arial" panose="020B0604020202020204" pitchFamily="34" charset="0"/>
+                    <a:cs typeface="Arial" panose="020B0604020202020204" pitchFamily="34" charset="0"/>
+                  </a:rPr>
+                  <a:t>for ARL</a:t>
+                </a:r>
+                <a:endParaRPr lang="en-US" altLang="ko-KR" sz="1600" b="1" dirty="0" smtClean="0">
+                  <a:latin typeface="Arial" panose="020B0604020202020204" pitchFamily="34" charset="0"/>
+                  <a:cs typeface="Arial" panose="020B0604020202020204" pitchFamily="34" charset="0"/>
+                </a:endParaRPr>
+              </a:p>
+              <a:p>
+                <a:pPr marL="285750" indent="-285750">
+                  <a:lnSpc>
+                    <a:spcPct val="150000"/>
+                  </a:lnSpc>
+                  <a:buFontTx/>
+                  <a:buChar char="-"/>
+                </a:pPr>
+                <a:r>
+                  <a:rPr lang="en-US" altLang="ko-KR" sz="1600" dirty="0" smtClean="0">
+                    <a:latin typeface="Arial" panose="020B0604020202020204" pitchFamily="34" charset="0"/>
+                    <a:cs typeface="Arial" panose="020B0604020202020204" pitchFamily="34" charset="0"/>
+                  </a:rPr>
+                  <a:t>Bandwidth</a:t>
+                </a:r>
+                <a:r>
+                  <a:rPr lang="ko-KR" altLang="en-US" sz="1600" dirty="0" smtClean="0">
+                    <a:latin typeface="Arial" panose="020B0604020202020204" pitchFamily="34" charset="0"/>
+                    <a:cs typeface="Arial" panose="020B0604020202020204" pitchFamily="34" charset="0"/>
+                  </a:rPr>
+                  <a:t>에 해당하는 </a:t>
+                </a:r>
+                <a:r>
+                  <a:rPr lang="en-US" altLang="ko-KR" sz="1600" dirty="0" smtClean="0">
+                    <a:latin typeface="Arial" panose="020B0604020202020204" pitchFamily="34" charset="0"/>
+                    <a:cs typeface="Arial" panose="020B0604020202020204" pitchFamily="34" charset="0"/>
+                  </a:rPr>
+                  <a:t>transmission</a:t>
+                </a:r>
+                <a:r>
+                  <a:rPr lang="ko-KR" altLang="en-US" sz="1600" dirty="0" smtClean="0">
+                    <a:latin typeface="Arial" panose="020B0604020202020204" pitchFamily="34" charset="0"/>
+                    <a:cs typeface="Arial" panose="020B0604020202020204" pitchFamily="34" charset="0"/>
+                  </a:rPr>
+                  <a:t>의 평균을 </a:t>
+                </a:r>
+                <a:r>
+                  <a:rPr lang="en-US" altLang="ko-KR" sz="1600" dirty="0" err="1" smtClean="0">
+                    <a:latin typeface="Arial" panose="020B0604020202020204" pitchFamily="34" charset="0"/>
+                    <a:cs typeface="Arial" panose="020B0604020202020204" pitchFamily="34" charset="0"/>
+                  </a:rPr>
+                  <a:t>Rin</a:t>
+                </a:r>
+                <a:r>
+                  <a:rPr lang="en-US" altLang="ko-KR" sz="1600" dirty="0" smtClean="0">
+                    <a:latin typeface="Arial" panose="020B0604020202020204" pitchFamily="34" charset="0"/>
+                    <a:cs typeface="Arial" panose="020B0604020202020204" pitchFamily="34" charset="0"/>
+                  </a:rPr>
+                  <a:t>, bandwidth</a:t>
+                </a:r>
+                <a:r>
+                  <a:rPr lang="ko-KR" altLang="en-US" sz="1600" dirty="0" smtClean="0">
+                    <a:latin typeface="Arial" panose="020B0604020202020204" pitchFamily="34" charset="0"/>
+                    <a:cs typeface="Arial" panose="020B0604020202020204" pitchFamily="34" charset="0"/>
+                  </a:rPr>
+                  <a:t>에</a:t>
+                </a:r>
+                <a:r>
+                  <a:rPr lang="en-US" altLang="ko-KR" sz="1600" dirty="0">
+                    <a:latin typeface="Arial" panose="020B0604020202020204" pitchFamily="34" charset="0"/>
+                    <a:cs typeface="Arial" panose="020B0604020202020204" pitchFamily="34" charset="0"/>
+                  </a:rPr>
+                  <a:t> </a:t>
+                </a:r>
+                <a:r>
+                  <a:rPr lang="ko-KR" altLang="en-US" sz="1600" dirty="0" smtClean="0">
+                    <a:latin typeface="Arial" panose="020B0604020202020204" pitchFamily="34" charset="0"/>
+                    <a:cs typeface="Arial" panose="020B0604020202020204" pitchFamily="34" charset="0"/>
+                  </a:rPr>
+                  <a:t>해당하지 않는 </a:t>
+                </a:r>
+                <a:r>
+                  <a:rPr lang="en-US" altLang="ko-KR" sz="1600" dirty="0" smtClean="0">
+                    <a:latin typeface="Arial" panose="020B0604020202020204" pitchFamily="34" charset="0"/>
+                    <a:cs typeface="Arial" panose="020B0604020202020204" pitchFamily="34" charset="0"/>
+                  </a:rPr>
+                  <a:t>transmission</a:t>
+                </a:r>
+                <a:r>
+                  <a:rPr lang="ko-KR" altLang="en-US" sz="1600" dirty="0" smtClean="0">
+                    <a:latin typeface="Arial" panose="020B0604020202020204" pitchFamily="34" charset="0"/>
+                    <a:cs typeface="Arial" panose="020B0604020202020204" pitchFamily="34" charset="0"/>
+                  </a:rPr>
+                  <a:t>의 평균을 </a:t>
+                </a:r>
+                <a:r>
+                  <a:rPr lang="en-US" altLang="ko-KR" sz="1600" dirty="0" smtClean="0">
+                    <a:latin typeface="Arial" panose="020B0604020202020204" pitchFamily="34" charset="0"/>
+                    <a:cs typeface="Arial" panose="020B0604020202020204" pitchFamily="34" charset="0"/>
+                  </a:rPr>
+                  <a:t>Rout</a:t>
+                </a:r>
+                <a:endParaRPr lang="en-US" altLang="ko-KR" sz="1600" dirty="0" smtClean="0">
+                  <a:latin typeface="Arial" panose="020B0604020202020204" pitchFamily="34" charset="0"/>
+                  <a:cs typeface="Arial" panose="020B0604020202020204" pitchFamily="34" charset="0"/>
+                </a:endParaRPr>
+              </a:p>
+              <a:p>
+                <a:pPr marL="285750" indent="-285750">
+                  <a:lnSpc>
+                    <a:spcPct val="150000"/>
+                  </a:lnSpc>
+                  <a:buFont typeface="Arial" panose="020B0604020202020204" pitchFamily="34" charset="0"/>
+                  <a:buChar char="•"/>
+                </a:pPr>
+                <a:r>
+                  <a:rPr lang="en-US" altLang="ko-KR" sz="1600" b="1" dirty="0" smtClean="0">
+                    <a:latin typeface="Arial" panose="020B0604020202020204" pitchFamily="34" charset="0"/>
+                    <a:cs typeface="Arial" panose="020B0604020202020204" pitchFamily="34" charset="0"/>
+                  </a:rPr>
+                  <a:t>Cost = Rout * (10 – </a:t>
+                </a:r>
+                <a:r>
+                  <a:rPr lang="en-US" altLang="ko-KR" sz="1600" b="1" dirty="0" err="1" smtClean="0">
+                    <a:latin typeface="Arial" panose="020B0604020202020204" pitchFamily="34" charset="0"/>
+                    <a:cs typeface="Arial" panose="020B0604020202020204" pitchFamily="34" charset="0"/>
+                  </a:rPr>
+                  <a:t>Rin</a:t>
+                </a:r>
+                <a:r>
+                  <a:rPr lang="en-US" altLang="ko-KR" sz="1600" b="1" dirty="0" smtClean="0">
+                    <a:latin typeface="Arial" panose="020B0604020202020204" pitchFamily="34" charset="0"/>
+                    <a:cs typeface="Arial" panose="020B0604020202020204" pitchFamily="34" charset="0"/>
+                  </a:rPr>
+                  <a:t>) inverse design with ANN</a:t>
+                </a:r>
+              </a:p>
+              <a:p>
+                <a:pPr marL="285750" indent="-285750">
+                  <a:lnSpc>
+                    <a:spcPct val="150000"/>
+                  </a:lnSpc>
+                  <a:buFontTx/>
+                  <a:buChar char="-"/>
+                </a:pPr>
+                <a:r>
+                  <a:rPr lang="en-US" altLang="ko-KR" sz="1600" dirty="0" err="1" smtClean="0">
+                    <a:latin typeface="Arial" panose="020B0604020202020204" pitchFamily="34" charset="0"/>
+                    <a:cs typeface="Arial" panose="020B0604020202020204" pitchFamily="34" charset="0"/>
+                  </a:rPr>
+                  <a:t>Tensorflow</a:t>
+                </a:r>
+                <a:r>
+                  <a:rPr lang="ko-KR" altLang="en-US" sz="1600" dirty="0" smtClean="0">
+                    <a:latin typeface="Arial" panose="020B0604020202020204" pitchFamily="34" charset="0"/>
+                    <a:cs typeface="Arial" panose="020B0604020202020204" pitchFamily="34" charset="0"/>
+                  </a:rPr>
+                  <a:t>로 </a:t>
+                </a:r>
+                <a:r>
+                  <a:rPr lang="en-US" altLang="ko-KR" sz="1600" dirty="0" smtClean="0">
+                    <a:latin typeface="Arial" panose="020B0604020202020204" pitchFamily="34" charset="0"/>
+                    <a:cs typeface="Arial" panose="020B0604020202020204" pitchFamily="34" charset="0"/>
+                  </a:rPr>
+                  <a:t>array </a:t>
+                </a:r>
+                <a:r>
+                  <a:rPr lang="ko-KR" altLang="en-US" sz="1600" dirty="0" smtClean="0">
+                    <a:latin typeface="Arial" panose="020B0604020202020204" pitchFamily="34" charset="0"/>
+                    <a:cs typeface="Arial" panose="020B0604020202020204" pitchFamily="34" charset="0"/>
+                  </a:rPr>
+                  <a:t>계산시 </a:t>
+                </a:r>
+                <a:r>
+                  <a:rPr lang="en-US" altLang="ko-KR" sz="1600" dirty="0" smtClean="0">
+                    <a:latin typeface="Arial" panose="020B0604020202020204" pitchFamily="34" charset="0"/>
+                    <a:cs typeface="Arial" panose="020B0604020202020204" pitchFamily="34" charset="0"/>
+                  </a:rPr>
+                  <a:t>element </a:t>
+                </a:r>
+                <a:r>
+                  <a:rPr lang="ko-KR" altLang="en-US" sz="1600" dirty="0" smtClean="0">
+                    <a:latin typeface="Arial" panose="020B0604020202020204" pitchFamily="34" charset="0"/>
+                    <a:cs typeface="Arial" panose="020B0604020202020204" pitchFamily="34" charset="0"/>
+                  </a:rPr>
+                  <a:t>평균이 어려워 </a:t>
+                </a:r>
+                <a:r>
+                  <a:rPr lang="en-US" altLang="ko-KR" sz="1600" dirty="0" smtClean="0">
+                    <a:latin typeface="Arial" panose="020B0604020202020204" pitchFamily="34" charset="0"/>
+                    <a:cs typeface="Arial" panose="020B0604020202020204" pitchFamily="34" charset="0"/>
+                  </a:rPr>
+                  <a:t>summation</a:t>
+                </a:r>
+                <a:r>
+                  <a:rPr lang="ko-KR" altLang="en-US" sz="1600" dirty="0" smtClean="0">
+                    <a:latin typeface="Arial" panose="020B0604020202020204" pitchFamily="34" charset="0"/>
+                    <a:cs typeface="Arial" panose="020B0604020202020204" pitchFamily="34" charset="0"/>
+                  </a:rPr>
+                  <a:t>으로 </a:t>
+                </a:r>
+                <a:r>
+                  <a:rPr lang="ko-KR" altLang="en-US" sz="1600" dirty="0" err="1" smtClean="0">
+                    <a:latin typeface="Arial" panose="020B0604020202020204" pitchFamily="34" charset="0"/>
+                    <a:cs typeface="Arial" panose="020B0604020202020204" pitchFamily="34" charset="0"/>
+                  </a:rPr>
+                  <a:t>계산했을때</a:t>
+                </a:r>
+                <a:r>
+                  <a:rPr lang="ko-KR" altLang="en-US" sz="1600" dirty="0" smtClean="0">
+                    <a:latin typeface="Arial" panose="020B0604020202020204" pitchFamily="34" charset="0"/>
+                    <a:cs typeface="Arial" panose="020B0604020202020204" pitchFamily="34" charset="0"/>
+                  </a:rPr>
+                  <a:t> </a:t>
+                </a:r>
+                <a:r>
+                  <a:rPr lang="en-US" altLang="ko-KR" sz="1600" dirty="0" smtClean="0">
+                    <a:latin typeface="Arial" panose="020B0604020202020204" pitchFamily="34" charset="0"/>
+                    <a:cs typeface="Arial" panose="020B0604020202020204" pitchFamily="34" charset="0"/>
+                  </a:rPr>
+                  <a:t>const. - </a:t>
+                </a:r>
+                <a:r>
+                  <a:rPr lang="en-US" altLang="ko-KR" sz="1600" dirty="0" err="1" smtClean="0">
+                    <a:latin typeface="Arial" panose="020B0604020202020204" pitchFamily="34" charset="0"/>
+                    <a:cs typeface="Arial" panose="020B0604020202020204" pitchFamily="34" charset="0"/>
+                  </a:rPr>
+                  <a:t>Rin</a:t>
+                </a:r>
+                <a:r>
+                  <a:rPr lang="ko-KR" altLang="en-US" sz="1600" dirty="0" smtClean="0">
+                    <a:latin typeface="Arial" panose="020B0604020202020204" pitchFamily="34" charset="0"/>
+                    <a:cs typeface="Arial" panose="020B0604020202020204" pitchFamily="34" charset="0"/>
+                  </a:rPr>
+                  <a:t>이 음수가 되지 않는 적당한 값으로 </a:t>
+                </a:r>
+                <a:r>
+                  <a:rPr lang="en-US" altLang="ko-KR" sz="1600" dirty="0" smtClean="0">
+                    <a:latin typeface="Arial" panose="020B0604020202020204" pitchFamily="34" charset="0"/>
+                    <a:cs typeface="Arial" panose="020B0604020202020204" pitchFamily="34" charset="0"/>
+                  </a:rPr>
+                  <a:t>10</a:t>
+                </a:r>
+                <a:r>
+                  <a:rPr lang="ko-KR" altLang="en-US" sz="1600" dirty="0" smtClean="0">
+                    <a:latin typeface="Arial" panose="020B0604020202020204" pitchFamily="34" charset="0"/>
+                    <a:cs typeface="Arial" panose="020B0604020202020204" pitchFamily="34" charset="0"/>
+                  </a:rPr>
+                  <a:t>을 선택</a:t>
+                </a:r>
+                <a:endParaRPr lang="en-US" altLang="ko-KR" sz="1600" dirty="0" smtClean="0">
+                  <a:latin typeface="Arial" panose="020B0604020202020204" pitchFamily="34" charset="0"/>
+                  <a:cs typeface="Arial" panose="020B0604020202020204" pitchFamily="34" charset="0"/>
+                </a:endParaRPr>
+              </a:p>
+              <a:p>
+                <a:pPr marL="285750" indent="-285750">
+                  <a:lnSpc>
+                    <a:spcPct val="150000"/>
+                  </a:lnSpc>
+                  <a:buFont typeface="Arial" panose="020B0604020202020204" pitchFamily="34" charset="0"/>
+                  <a:buChar char="•"/>
+                </a:pPr>
+                <a:r>
+                  <a:rPr lang="en-US" altLang="ko-KR" sz="1600" b="1" dirty="0" smtClean="0">
+                    <a:latin typeface="Arial" panose="020B0604020202020204" pitchFamily="34" charset="0"/>
+                    <a:cs typeface="Arial" panose="020B0604020202020204" pitchFamily="34" charset="0"/>
+                  </a:rPr>
+                  <a:t>Generate </a:t>
+                </a:r>
+                <a:r>
+                  <a:rPr lang="en-US" altLang="ko-KR" sz="1600" b="1" dirty="0">
+                    <a:latin typeface="Arial" panose="020B0604020202020204" pitchFamily="34" charset="0"/>
+                    <a:cs typeface="Arial" panose="020B0604020202020204" pitchFamily="34" charset="0"/>
+                  </a:rPr>
+                  <a:t>labeled data for training phase</a:t>
+                </a:r>
+              </a:p>
+              <a:p>
+                <a:pPr marL="285750" indent="-285750">
+                  <a:lnSpc>
+                    <a:spcPct val="150000"/>
+                  </a:lnSpc>
+                  <a:buFontTx/>
+                  <a:buChar char="-"/>
+                </a:pPr>
+                <a:r>
+                  <a:rPr lang="en-US" altLang="ko-KR" sz="1600" dirty="0" smtClean="0">
+                    <a:latin typeface="Arial" panose="020B0604020202020204" pitchFamily="34" charset="0"/>
+                    <a:cs typeface="Arial" panose="020B0604020202020204" pitchFamily="34" charset="0"/>
+                  </a:rPr>
+                  <a:t>TMM </a:t>
+                </a:r>
+                <a:r>
+                  <a:rPr lang="en-US" altLang="ko-KR" sz="1600" dirty="0" smtClean="0">
+                    <a:latin typeface="Arial" panose="020B0604020202020204" pitchFamily="34" charset="0"/>
+                    <a:cs typeface="Arial" panose="020B0604020202020204" pitchFamily="34" charset="0"/>
+                  </a:rPr>
+                  <a:t>package[31]</a:t>
+                </a:r>
+                <a:endParaRPr lang="en-US" altLang="ko-KR" sz="1600" dirty="0" smtClean="0">
+                  <a:latin typeface="Arial" panose="020B0604020202020204" pitchFamily="34" charset="0"/>
+                  <a:cs typeface="Arial" panose="020B0604020202020204" pitchFamily="34" charset="0"/>
+                </a:endParaRPr>
+              </a:p>
+              <a:p>
+                <a:pPr marL="285750" indent="-285750">
+                  <a:lnSpc>
+                    <a:spcPct val="150000"/>
+                  </a:lnSpc>
+                  <a:buFontTx/>
+                  <a:buChar char="-"/>
+                </a:pPr>
+                <a:r>
+                  <a:rPr lang="en-US" altLang="ko-KR" sz="1600" dirty="0" smtClean="0">
+                    <a:latin typeface="Arial" panose="020B0604020202020204" pitchFamily="34" charset="0"/>
+                    <a:cs typeface="Arial" panose="020B0604020202020204" pitchFamily="34" charset="0"/>
+                  </a:rPr>
+                  <a:t> </a:t>
+                </a:r>
+                <a:r>
+                  <a:rPr lang="en-US" altLang="ko-KR" sz="1600" dirty="0" smtClean="0">
+                    <a:latin typeface="Arial" panose="020B0604020202020204" pitchFamily="34" charset="0"/>
+                    <a:cs typeface="Arial" panose="020B0604020202020204" pitchFamily="34" charset="0"/>
+                  </a:rPr>
+                  <a:t>1 AMD </a:t>
+                </a:r>
+                <a:r>
+                  <a:rPr lang="en-US" altLang="ko-KR" sz="1600" dirty="0" smtClean="0">
+                    <a:latin typeface="Arial" panose="020B0604020202020204" pitchFamily="34" charset="0"/>
+                    <a:cs typeface="Arial" panose="020B0604020202020204" pitchFamily="34" charset="0"/>
+                  </a:rPr>
+                  <a:t>Ryzen</a:t>
+                </a:r>
+                <a:r>
+                  <a:rPr lang="en-US" altLang="ko-KR" sz="1600" dirty="0" smtClean="0">
+                    <a:latin typeface="Arial" panose="020B0604020202020204" pitchFamily="34" charset="0"/>
+                    <a:cs typeface="Arial" panose="020B0604020202020204" pitchFamily="34" charset="0"/>
+                  </a:rPr>
+                  <a:t> 1600 </a:t>
+                </a:r>
+                <a:r>
+                  <a:rPr lang="en-US" altLang="ko-KR" sz="1600" dirty="0" smtClean="0">
+                    <a:latin typeface="Arial" panose="020B0604020202020204" pitchFamily="34" charset="0"/>
+                    <a:cs typeface="Arial" panose="020B0604020202020204" pitchFamily="34" charset="0"/>
+                  </a:rPr>
+                  <a:t>CPU with </a:t>
+                </a:r>
+                <a:r>
+                  <a:rPr lang="en-US" altLang="ko-KR" sz="1600" dirty="0" smtClean="0">
+                    <a:latin typeface="Arial" panose="020B0604020202020204" pitchFamily="34" charset="0"/>
+                    <a:cs typeface="Arial" panose="020B0604020202020204" pitchFamily="34" charset="0"/>
+                  </a:rPr>
+                  <a:t>3.8 </a:t>
+                </a:r>
+                <a:r>
+                  <a:rPr lang="en-US" altLang="ko-KR" sz="1600" dirty="0" smtClean="0">
+                    <a:latin typeface="Arial" panose="020B0604020202020204" pitchFamily="34" charset="0"/>
+                    <a:cs typeface="Arial" panose="020B0604020202020204" pitchFamily="34" charset="0"/>
+                  </a:rPr>
+                  <a:t>GHz clock speed and </a:t>
+                </a:r>
+                <a:r>
+                  <a:rPr lang="en-US" altLang="ko-KR" sz="1600" dirty="0" smtClean="0">
+                    <a:latin typeface="Arial" panose="020B0604020202020204" pitchFamily="34" charset="0"/>
+                    <a:cs typeface="Arial" panose="020B0604020202020204" pitchFamily="34" charset="0"/>
+                  </a:rPr>
+                  <a:t>16 </a:t>
+                </a:r>
+                <a:r>
+                  <a:rPr lang="en-US" altLang="ko-KR" sz="1600" dirty="0" smtClean="0">
+                    <a:latin typeface="Arial" panose="020B0604020202020204" pitchFamily="34" charset="0"/>
+                    <a:cs typeface="Arial" panose="020B0604020202020204" pitchFamily="34" charset="0"/>
+                  </a:rPr>
+                  <a:t>GB RAM about </a:t>
+                </a:r>
+                <a:r>
+                  <a:rPr lang="en-US" altLang="ko-KR" sz="1600" dirty="0">
+                    <a:latin typeface="Arial" panose="020B0604020202020204" pitchFamily="34" charset="0"/>
+                    <a:cs typeface="Arial" panose="020B0604020202020204" pitchFamily="34" charset="0"/>
+                  </a:rPr>
+                  <a:t>1</a:t>
+                </a:r>
+                <a:r>
+                  <a:rPr lang="en-US" altLang="ko-KR" sz="1600" dirty="0" smtClean="0">
+                    <a:latin typeface="Arial" panose="020B0604020202020204" pitchFamily="34" charset="0"/>
+                    <a:cs typeface="Arial" panose="020B0604020202020204" pitchFamily="34" charset="0"/>
+                  </a:rPr>
+                  <a:t> </a:t>
+                </a:r>
+                <a:r>
+                  <a:rPr lang="en-US" altLang="ko-KR" sz="1600" dirty="0" smtClean="0">
+                    <a:latin typeface="Arial" panose="020B0604020202020204" pitchFamily="34" charset="0"/>
+                    <a:cs typeface="Arial" panose="020B0604020202020204" pitchFamily="34" charset="0"/>
+                  </a:rPr>
+                  <a:t>days to complete collecting </a:t>
+                </a:r>
+                <a:r>
+                  <a:rPr lang="en-US" altLang="ko-KR" sz="1600" dirty="0" smtClean="0">
+                    <a:latin typeface="Arial" panose="020B0604020202020204" pitchFamily="34" charset="0"/>
+                    <a:cs typeface="Arial" panose="020B0604020202020204" pitchFamily="34" charset="0"/>
+                  </a:rPr>
+                  <a:t>20,000 </a:t>
+                </a:r>
+                <a:r>
+                  <a:rPr lang="en-US" altLang="ko-KR" sz="1600" dirty="0" smtClean="0">
+                    <a:latin typeface="Arial" panose="020B0604020202020204" pitchFamily="34" charset="0"/>
+                    <a:cs typeface="Arial" panose="020B0604020202020204" pitchFamily="34" charset="0"/>
+                  </a:rPr>
+                  <a:t>simulation data</a:t>
+                </a:r>
+              </a:p>
+              <a:p>
+                <a:pPr marL="285750" indent="-285750">
+                  <a:lnSpc>
+                    <a:spcPct val="150000"/>
+                  </a:lnSpc>
+                  <a:buFontTx/>
+                  <a:buChar char="-"/>
+                </a:pPr>
+                <a:r>
+                  <a:rPr lang="en-US" altLang="ko-KR" sz="1600" i="1" dirty="0" smtClean="0">
+                    <a:latin typeface="Times New Roman" panose="02020603050405020304" pitchFamily="18" charset="0"/>
+                    <a:cs typeface="Times New Roman" panose="02020603050405020304" pitchFamily="18" charset="0"/>
+                  </a:rPr>
+                  <a:t>Figure: Data transmission distribution</a:t>
+                </a:r>
+                <a:endParaRPr lang="en-US" altLang="ko-KR" sz="1600" i="1" dirty="0">
+                  <a:latin typeface="Times New Roman" panose="02020603050405020304" pitchFamily="18" charset="0"/>
+                  <a:cs typeface="Times New Roman" panose="02020603050405020304" pitchFamily="18" charset="0"/>
+                </a:endParaRPr>
+              </a:p>
+            </p:txBody>
+          </p:sp>
+        </mc:Choice>
+        <mc:Fallback>
+          <p:sp>
+            <p:nvSpPr>
+              <p:cNvPr id="5" name="TextBox 4"/>
+              <p:cNvSpPr txBox="1">
+                <a:spLocks noRot="1" noChangeAspect="1" noMove="1" noResize="1" noEditPoints="1" noAdjustHandles="1" noChangeArrowheads="1" noChangeShapeType="1" noTextEdit="1"/>
+              </p:cNvSpPr>
+              <p:nvPr/>
+            </p:nvSpPr>
+            <p:spPr>
+              <a:xfrm>
+                <a:off x="1" y="400110"/>
+                <a:ext cx="12191999" cy="6033383"/>
+              </a:xfrm>
+              <a:prstGeom prst="rect">
+                <a:avLst/>
+              </a:prstGeom>
+              <a:blipFill>
+                <a:blip r:embed="rId2"/>
+                <a:stretch>
+                  <a:fillRect l="-250" r="-50"/>
+                </a:stretch>
+              </a:blipFill>
+            </p:spPr>
+            <p:txBody>
+              <a:bodyPr/>
+              <a:lstStyle/>
+              <a:p>
+                <a:r>
+                  <a:rPr lang="ko-KR" altLang="en-US">
+                    <a:noFill/>
+                  </a:rPr>
+                  <a:t> </a:t>
+                </a:r>
+              </a:p>
+            </p:txBody>
+          </p:sp>
+        </mc:Fallback>
+      </mc:AlternateContent>
       <p:sp>
         <p:nvSpPr>
-          <p:cNvPr id="5" name="TextBox 4"/>
-          <p:cNvSpPr txBox="1"/>
+          <p:cNvPr id="6" name="직사각형 5"/>
+          <p:cNvSpPr/>
           <p:nvPr/>
         </p:nvSpPr>
         <p:spPr>
           <a:xfrm>
-            <a:off x="1" y="400110"/>
-            <a:ext cx="12191999" cy="4893647"/>
+            <a:off x="1" y="6433493"/>
+            <a:ext cx="12192000" cy="553998"/>
           </a:xfrm>
           <a:prstGeom prst="rect">
             <a:avLst/>
           </a:prstGeom>
-          <a:noFill/>
         </p:spPr>
         <p:txBody>
-          <a:bodyPr wrap="square" rtlCol="0">
+          <a:bodyPr wrap="square">
             <a:spAutoFit/>
           </a:bodyPr>
           <a:lstStyle/>
           <a:p>
-            <a:pPr>
-              <a:lnSpc>
-                <a:spcPct val="150000"/>
-              </a:lnSpc>
+            <a:pPr marL="228600" indent="-228600">
+              <a:buFont typeface="+mj-lt"/>
+              <a:buAutoNum type="arabicParenR" startAt="30"/>
             </a:pPr>
             <a:r>
-              <a:rPr lang="en-US" altLang="ko-KR" sz="1600" dirty="0" smtClean="0">
-                <a:latin typeface="Arial" panose="020B0604020202020204" pitchFamily="34" charset="0"/>
-                <a:cs typeface="Arial" panose="020B0604020202020204" pitchFamily="34" charset="0"/>
-              </a:rPr>
-              <a:t>Paragraphs </a:t>
-            </a:r>
-            <a:r>
-              <a:rPr lang="ko-KR" altLang="en-US" sz="1600" dirty="0" smtClean="0">
-                <a:latin typeface="Arial" panose="020B0604020202020204" pitchFamily="34" charset="0"/>
-                <a:cs typeface="Arial" panose="020B0604020202020204" pitchFamily="34" charset="0"/>
-              </a:rPr>
-              <a:t>구성</a:t>
-            </a:r>
-            <a:endParaRPr lang="en-US" altLang="ko-KR" sz="1600" dirty="0" smtClean="0">
-              <a:latin typeface="Arial" panose="020B0604020202020204" pitchFamily="34" charset="0"/>
-              <a:cs typeface="Arial" panose="020B0604020202020204" pitchFamily="34" charset="0"/>
-            </a:endParaRPr>
+              <a:rPr lang="en-US" altLang="ko-KR" sz="1000" dirty="0">
+                <a:solidFill>
+                  <a:srgbClr val="333333"/>
+                </a:solidFill>
+                <a:latin typeface="Times New Roman" panose="02020603050405020304" pitchFamily="18" charset="0"/>
+              </a:rPr>
+              <a:t>C. L. Davies, J. B. Patel, C. Q. Xia, L. M. </a:t>
+            </a:r>
+            <a:r>
+              <a:rPr lang="en-US" altLang="ko-KR" sz="1000" dirty="0" err="1">
+                <a:solidFill>
+                  <a:srgbClr val="333333"/>
+                </a:solidFill>
+                <a:latin typeface="Times New Roman" panose="02020603050405020304" pitchFamily="18" charset="0"/>
+              </a:rPr>
+              <a:t>Herz</a:t>
+            </a:r>
+            <a:r>
+              <a:rPr lang="en-US" altLang="ko-KR" sz="1000" dirty="0">
+                <a:solidFill>
+                  <a:srgbClr val="333333"/>
+                </a:solidFill>
+                <a:latin typeface="Times New Roman" panose="02020603050405020304" pitchFamily="18" charset="0"/>
+              </a:rPr>
+              <a:t>, and M. B. Johnston, “Temperature-Dependent Refractive Index of Quartz at Terahertz Frequencies,” Journal of Infrared, Millimeter, and Terahertz Waves, vol. 39, no. 12, pp. 1236–1248, 2018</a:t>
+            </a:r>
+            <a:r>
+              <a:rPr lang="en-US" altLang="ko-KR" sz="1000" dirty="0" smtClean="0">
+                <a:solidFill>
+                  <a:srgbClr val="333333"/>
+                </a:solidFill>
+                <a:latin typeface="Times New Roman" panose="02020603050405020304" pitchFamily="18" charset="0"/>
+              </a:rPr>
+              <a:t>.</a:t>
+            </a:r>
           </a:p>
           <a:p>
-            <a:pPr marL="285750" indent="-285750">
-              <a:lnSpc>
-                <a:spcPct val="150000"/>
-              </a:lnSpc>
-              <a:buFont typeface="Arial" panose="020B0604020202020204" pitchFamily="34" charset="0"/>
-              <a:buChar char="•"/>
+            <a:pPr marL="228600" indent="-228600">
+              <a:buFont typeface="+mj-lt"/>
+              <a:buAutoNum type="arabicParenR" startAt="30"/>
             </a:pPr>
             <a:r>
-              <a:rPr lang="en-US" altLang="ko-KR" sz="1600" b="1" dirty="0" smtClean="0">
-                <a:latin typeface="Arial" panose="020B0604020202020204" pitchFamily="34" charset="0"/>
-                <a:cs typeface="Arial" panose="020B0604020202020204" pitchFamily="34" charset="0"/>
-              </a:rPr>
-              <a:t>Integrated </a:t>
-            </a:r>
-            <a:r>
-              <a:rPr lang="en-US" altLang="ko-KR" sz="1600" b="1" dirty="0">
-                <a:latin typeface="Arial" panose="020B0604020202020204" pitchFamily="34" charset="0"/>
-                <a:cs typeface="Arial" panose="020B0604020202020204" pitchFamily="34" charset="0"/>
-              </a:rPr>
-              <a:t>photonic </a:t>
-            </a:r>
-            <a:r>
-              <a:rPr lang="en-US" altLang="ko-KR" sz="1600" b="1" dirty="0" smtClean="0">
-                <a:latin typeface="Arial" panose="020B0604020202020204" pitchFamily="34" charset="0"/>
-                <a:cs typeface="Arial" panose="020B0604020202020204" pitchFamily="34" charset="0"/>
-              </a:rPr>
-              <a:t>1x2 </a:t>
-            </a:r>
-            <a:r>
-              <a:rPr lang="en-US" altLang="ko-KR" sz="1600" b="1" dirty="0">
-                <a:latin typeface="Arial" panose="020B0604020202020204" pitchFamily="34" charset="0"/>
-                <a:cs typeface="Arial" panose="020B0604020202020204" pitchFamily="34" charset="0"/>
-              </a:rPr>
-              <a:t>power splitter</a:t>
-            </a:r>
-          </a:p>
-          <a:p>
-            <a:pPr marL="285750" indent="-285750">
-              <a:lnSpc>
-                <a:spcPct val="150000"/>
-              </a:lnSpc>
-              <a:buFontTx/>
-              <a:buChar char="-"/>
-            </a:pPr>
-            <a:r>
-              <a:rPr lang="en-US" altLang="ko-KR" sz="1600" dirty="0" smtClean="0">
-                <a:latin typeface="Arial" panose="020B0604020202020204" pitchFamily="34" charset="0"/>
-                <a:cs typeface="Arial" panose="020B0604020202020204" pitchFamily="34" charset="0"/>
-              </a:rPr>
-              <a:t>Not a arbitrary device, fixed size.</a:t>
-            </a:r>
-          </a:p>
-          <a:p>
-            <a:pPr marL="285750" indent="-285750">
-              <a:lnSpc>
-                <a:spcPct val="150000"/>
-              </a:lnSpc>
-              <a:buFontTx/>
-              <a:buChar char="-"/>
-            </a:pPr>
-            <a:r>
-              <a:rPr lang="en-US" altLang="ko-KR" sz="1600" dirty="0" smtClean="0">
-                <a:latin typeface="Arial" panose="020B0604020202020204" pitchFamily="34" charset="0"/>
-                <a:cs typeface="Arial" panose="020B0604020202020204" pitchFamily="34" charset="0"/>
-              </a:rPr>
-              <a:t>2D FDTD simulation for time-saving</a:t>
-            </a:r>
-          </a:p>
-          <a:p>
-            <a:pPr marL="285750" indent="-285750">
-              <a:lnSpc>
-                <a:spcPct val="150000"/>
-              </a:lnSpc>
-              <a:buFontTx/>
-              <a:buChar char="-"/>
-            </a:pPr>
-            <a:r>
-              <a:rPr lang="en-US" altLang="ko-KR" sz="1600" dirty="0" smtClean="0">
-                <a:latin typeface="Arial" panose="020B0604020202020204" pitchFamily="34" charset="0"/>
-                <a:cs typeface="Arial" panose="020B0604020202020204" pitchFamily="34" charset="0"/>
-              </a:rPr>
-              <a:t>SOI platform: 9 um radii, 20x20 air-hole on 500 um box</a:t>
-            </a:r>
-          </a:p>
-          <a:p>
-            <a:pPr marL="285750" indent="-285750">
-              <a:lnSpc>
-                <a:spcPct val="150000"/>
-              </a:lnSpc>
-              <a:buFontTx/>
-              <a:buChar char="-"/>
-            </a:pPr>
-            <a:r>
-              <a:rPr lang="en-US" altLang="ko-KR" sz="1600" dirty="0" smtClean="0">
-                <a:latin typeface="Arial" panose="020B0604020202020204" pitchFamily="34" charset="0"/>
-                <a:cs typeface="Arial" panose="020B0604020202020204" pitchFamily="34" charset="0"/>
-              </a:rPr>
-              <a:t>not </a:t>
-            </a:r>
-            <a:r>
-              <a:rPr lang="en-US" altLang="ko-KR" sz="1600" dirty="0">
-                <a:latin typeface="Arial" panose="020B0604020202020204" pitchFamily="34" charset="0"/>
-                <a:cs typeface="Arial" panose="020B0604020202020204" pitchFamily="34" charset="0"/>
-              </a:rPr>
-              <a:t>aim to maximize the operation </a:t>
-            </a:r>
-            <a:r>
-              <a:rPr lang="en-US" altLang="ko-KR" sz="1600" dirty="0" smtClean="0">
-                <a:latin typeface="Arial" panose="020B0604020202020204" pitchFamily="34" charset="0"/>
-                <a:cs typeface="Arial" panose="020B0604020202020204" pitchFamily="34" charset="0"/>
-              </a:rPr>
-              <a:t>bandwidth, broadband transmission 275 ~ 325 um</a:t>
-            </a:r>
-            <a:endParaRPr lang="en-US" altLang="ko-KR" sz="1600" dirty="0">
-              <a:latin typeface="Arial" panose="020B0604020202020204" pitchFamily="34" charset="0"/>
-              <a:cs typeface="Arial" panose="020B0604020202020204" pitchFamily="34" charset="0"/>
-            </a:endParaRPr>
-          </a:p>
-          <a:p>
-            <a:pPr marL="285750" indent="-285750">
-              <a:lnSpc>
-                <a:spcPct val="150000"/>
-              </a:lnSpc>
-              <a:buFontTx/>
-              <a:buChar char="-"/>
-            </a:pPr>
-            <a:r>
-              <a:rPr lang="en-US" altLang="ko-KR" sz="1600" dirty="0" smtClean="0">
-                <a:latin typeface="Arial" panose="020B0604020202020204" pitchFamily="34" charset="0"/>
-                <a:cs typeface="Arial" panose="020B0604020202020204" pitchFamily="34" charset="0"/>
-              </a:rPr>
-              <a:t>Fundamental TE mode</a:t>
-            </a:r>
-          </a:p>
-          <a:p>
-            <a:pPr marL="285750" indent="-285750">
-              <a:lnSpc>
-                <a:spcPct val="150000"/>
-              </a:lnSpc>
-              <a:buFontTx/>
-              <a:buChar char="-"/>
-            </a:pPr>
-            <a:r>
-              <a:rPr lang="en-US" altLang="ko-KR" sz="1600" dirty="0" smtClean="0">
-                <a:latin typeface="Arial" panose="020B0604020202020204" pitchFamily="34" charset="0"/>
-                <a:cs typeface="Arial" panose="020B0604020202020204" pitchFamily="34" charset="0"/>
-              </a:rPr>
-              <a:t>Refractive index is fixed to </a:t>
-            </a:r>
-            <a:r>
-              <a:rPr lang="en-US" altLang="ko-KR" sz="1600" dirty="0" err="1" smtClean="0">
-                <a:latin typeface="Arial" panose="020B0604020202020204" pitchFamily="34" charset="0"/>
-                <a:cs typeface="Arial" panose="020B0604020202020204" pitchFamily="34" charset="0"/>
-              </a:rPr>
-              <a:t>n</a:t>
-            </a:r>
-            <a:r>
-              <a:rPr lang="en-US" altLang="ko-KR" sz="1600" baseline="-25000" dirty="0" err="1" smtClean="0">
-                <a:latin typeface="Arial" panose="020B0604020202020204" pitchFamily="34" charset="0"/>
-                <a:cs typeface="Arial" panose="020B0604020202020204" pitchFamily="34" charset="0"/>
-              </a:rPr>
-              <a:t>Si</a:t>
-            </a:r>
-            <a:r>
-              <a:rPr lang="en-US" altLang="ko-KR" sz="1600" dirty="0" smtClean="0">
-                <a:latin typeface="Arial" panose="020B0604020202020204" pitchFamily="34" charset="0"/>
-                <a:cs typeface="Arial" panose="020B0604020202020204" pitchFamily="34" charset="0"/>
-              </a:rPr>
-              <a:t> = 3.41.</a:t>
-            </a:r>
-          </a:p>
-          <a:p>
-            <a:pPr marL="285750" indent="-285750">
-              <a:lnSpc>
-                <a:spcPct val="150000"/>
-              </a:lnSpc>
-              <a:buFontTx/>
-              <a:buChar char="-"/>
-            </a:pPr>
-            <a:r>
-              <a:rPr lang="en-US" altLang="ko-KR" sz="1600" i="1" dirty="0">
+              <a:rPr lang="en-US" altLang="ko-KR" sz="1000" dirty="0" smtClean="0">
+                <a:solidFill>
+                  <a:srgbClr val="333333"/>
+                </a:solidFill>
                 <a:latin typeface="Times New Roman" panose="02020603050405020304" pitchFamily="18" charset="0"/>
-                <a:cs typeface="Times New Roman" panose="02020603050405020304" pitchFamily="18" charset="0"/>
-              </a:rPr>
-              <a:t>Figure: </a:t>
-            </a:r>
-            <a:r>
-              <a:rPr lang="en-US" altLang="ko-KR" sz="1600" i="1" dirty="0" smtClean="0">
+              </a:rPr>
+              <a:t>arXiv:1603.02720 </a:t>
+            </a:r>
+            <a:r>
+              <a:rPr lang="en-US" altLang="ko-KR" sz="1000" dirty="0">
+                <a:solidFill>
+                  <a:srgbClr val="333333"/>
+                </a:solidFill>
                 <a:latin typeface="Times New Roman" panose="02020603050405020304" pitchFamily="18" charset="0"/>
-                <a:cs typeface="Times New Roman" panose="02020603050405020304" pitchFamily="18" charset="0"/>
-              </a:rPr>
-              <a:t>Design base structure and condition</a:t>
-            </a:r>
-            <a:endParaRPr lang="en-US" altLang="ko-KR" sz="1600" dirty="0" smtClean="0">
+              </a:rPr>
+              <a:t>[</a:t>
+            </a:r>
+            <a:r>
+              <a:rPr lang="en-US" altLang="ko-KR" sz="1000" dirty="0" err="1">
+                <a:solidFill>
+                  <a:srgbClr val="333333"/>
+                </a:solidFill>
+                <a:latin typeface="Times New Roman" panose="02020603050405020304" pitchFamily="18" charset="0"/>
+              </a:rPr>
+              <a:t>physics.comp-ph</a:t>
+            </a:r>
+            <a:r>
+              <a:rPr lang="en-US" altLang="ko-KR" sz="1000" dirty="0">
+                <a:solidFill>
+                  <a:srgbClr val="333333"/>
+                </a:solidFill>
+                <a:latin typeface="Times New Roman" panose="02020603050405020304" pitchFamily="18" charset="0"/>
+              </a:rPr>
+              <a:t>]</a:t>
+            </a:r>
+            <a:endParaRPr lang="en-US" altLang="ko-KR" sz="1000" dirty="0">
+              <a:solidFill>
+                <a:srgbClr val="333333"/>
+              </a:solidFill>
               <a:latin typeface="Times New Roman" panose="02020603050405020304" pitchFamily="18" charset="0"/>
-              <a:cs typeface="Times New Roman" panose="02020603050405020304" pitchFamily="18" charset="0"/>
-            </a:endParaRPr>
-          </a:p>
-          <a:p>
-            <a:pPr marL="285750" indent="-285750">
-              <a:lnSpc>
-                <a:spcPct val="150000"/>
-              </a:lnSpc>
-              <a:buFont typeface="Arial" panose="020B0604020202020204" pitchFamily="34" charset="0"/>
-              <a:buChar char="•"/>
-            </a:pPr>
-            <a:r>
-              <a:rPr lang="en-US" altLang="ko-KR" sz="1600" b="1" dirty="0">
-                <a:latin typeface="Arial" panose="020B0604020202020204" pitchFamily="34" charset="0"/>
-                <a:cs typeface="Arial" panose="020B0604020202020204" pitchFamily="34" charset="0"/>
-              </a:rPr>
-              <a:t>Generate labeled data for training phase</a:t>
-            </a:r>
-          </a:p>
-          <a:p>
-            <a:pPr marL="285750" indent="-285750">
-              <a:lnSpc>
-                <a:spcPct val="150000"/>
-              </a:lnSpc>
-              <a:buFontTx/>
-              <a:buChar char="-"/>
-            </a:pPr>
-            <a:r>
-              <a:rPr lang="en-US" altLang="ko-KR" sz="1600" dirty="0" smtClean="0">
-                <a:latin typeface="Arial" panose="020B0604020202020204" pitchFamily="34" charset="0"/>
-                <a:cs typeface="Arial" panose="020B0604020202020204" pitchFamily="34" charset="0"/>
-              </a:rPr>
-              <a:t>TMM package</a:t>
-            </a:r>
-          </a:p>
-          <a:p>
-            <a:pPr marL="285750" indent="-285750">
-              <a:lnSpc>
-                <a:spcPct val="150000"/>
-              </a:lnSpc>
-              <a:buFontTx/>
-              <a:buChar char="-"/>
-            </a:pPr>
-            <a:r>
-              <a:rPr lang="en-US" altLang="ko-KR" sz="1600" dirty="0" smtClean="0">
-                <a:latin typeface="Arial" panose="020B0604020202020204" pitchFamily="34" charset="0"/>
-                <a:cs typeface="Arial" panose="020B0604020202020204" pitchFamily="34" charset="0"/>
-              </a:rPr>
-              <a:t> 2 Intel Xeon CPU with 2.5 GHz clock speed and 383 GB RAM about </a:t>
-            </a:r>
-            <a:r>
-              <a:rPr lang="en-US" altLang="ko-KR" sz="1600" dirty="0">
-                <a:latin typeface="Arial" panose="020B0604020202020204" pitchFamily="34" charset="0"/>
-                <a:cs typeface="Arial" panose="020B0604020202020204" pitchFamily="34" charset="0"/>
-              </a:rPr>
-              <a:t>3</a:t>
-            </a:r>
-            <a:r>
-              <a:rPr lang="en-US" altLang="ko-KR" sz="1600" dirty="0" smtClean="0">
-                <a:latin typeface="Arial" panose="020B0604020202020204" pitchFamily="34" charset="0"/>
-                <a:cs typeface="Arial" panose="020B0604020202020204" pitchFamily="34" charset="0"/>
-              </a:rPr>
-              <a:t> days to complete collecting 30,000 simulation data</a:t>
-            </a:r>
-          </a:p>
-          <a:p>
-            <a:pPr marL="285750" indent="-285750">
-              <a:lnSpc>
-                <a:spcPct val="150000"/>
-              </a:lnSpc>
-              <a:buFontTx/>
-              <a:buChar char="-"/>
-            </a:pPr>
-            <a:r>
-              <a:rPr lang="en-US" altLang="ko-KR" sz="1600" i="1" dirty="0" smtClean="0">
-                <a:latin typeface="Times New Roman" panose="02020603050405020304" pitchFamily="18" charset="0"/>
-                <a:cs typeface="Times New Roman" panose="02020603050405020304" pitchFamily="18" charset="0"/>
-              </a:rPr>
-              <a:t>Figure: Data transmission distribution</a:t>
-            </a:r>
-            <a:endParaRPr lang="en-US" altLang="ko-KR" sz="1600" i="1" dirty="0">
-              <a:latin typeface="Times New Roman" panose="02020603050405020304" pitchFamily="18" charset="0"/>
-              <a:cs typeface="Times New Roman" panose="02020603050405020304" pitchFamily="18" charset="0"/>
             </a:endParaRPr>
           </a:p>
         </p:txBody>
@@ -11731,7 +12306,7 @@
           <a:p>
             <a:fld id="{9B9B7D2E-B202-4D7A-9519-0C490A04EB9C}" type="datetime1">
               <a:rPr lang="ko-KR" altLang="en-US" smtClean="0"/>
-              <a:t>2019-09-25</a:t>
+              <a:t>2019-09-26</a:t>
             </a:fld>
             <a:endParaRPr lang="ko-KR" altLang="en-US"/>
           </a:p>
@@ -12554,7 +13129,21 @@
                 <a:latin typeface="Arial" panose="020B0604020202020204" pitchFamily="34" charset="0"/>
                 <a:cs typeface="Arial" panose="020B0604020202020204" pitchFamily="34" charset="0"/>
               </a:rPr>
-              <a:t>Fundamental TE mode, 1:1 uniform</a:t>
+              <a:t>Fundamental </a:t>
+            </a:r>
+            <a:r>
+              <a:rPr lang="en-US" altLang="ko-KR" sz="1600" dirty="0" smtClean="0">
+                <a:latin typeface="Arial" panose="020B0604020202020204" pitchFamily="34" charset="0"/>
+                <a:cs typeface="Arial" panose="020B0604020202020204" pitchFamily="34" charset="0"/>
+              </a:rPr>
+              <a:t>TM </a:t>
+            </a:r>
+            <a:r>
+              <a:rPr lang="en-US" altLang="ko-KR" sz="1600" dirty="0" smtClean="0">
+                <a:latin typeface="Arial" panose="020B0604020202020204" pitchFamily="34" charset="0"/>
+                <a:cs typeface="Arial" panose="020B0604020202020204" pitchFamily="34" charset="0"/>
+              </a:rPr>
+              <a:t>mode, 1:1 uniform</a:t>
             </a:r>
           </a:p>
           <a:p>
@@ -25703,7 +26292,7 @@
           <a:p>
             <a:fld id="{9B9B7D2E-B202-4D7A-9519-0C490A04EB9C}" type="datetime1">
               <a:rPr lang="ko-KR" altLang="en-US" smtClean="0"/>
-              <a:t>2019-09-25</a:t>
+              <a:t>2019-09-26</a:t>
             </a:fld>
             <a:endParaRPr lang="ko-KR" altLang="en-US"/>
           </a:p>
@@ -37299,7 +37888,7 @@
         <p:spPr>
           <a:xfrm>
             <a:off x="1" y="400110"/>
-            <a:ext cx="12192000" cy="2308324"/>
+            <a:ext cx="12192000" cy="3046988"/>
           </a:xfrm>
           <a:prstGeom prst="rect">
             <a:avLst/>
@@ -37515,7 +38104,135 @@
                 <a:latin typeface="Arial" panose="020B0604020202020204" pitchFamily="34" charset="0"/>
                 <a:cs typeface="Arial" panose="020B0604020202020204" pitchFamily="34" charset="0"/>
               </a:rPr>
-              <a:t>19, 20]</a:t>
+              <a:t>19, 20</a:t>
+            </a:r>
+            <a:r>
+              <a:rPr lang="en-US" altLang="ko-KR" sz="1600" dirty="0" smtClean="0">
+                <a:latin typeface="Arial" panose="020B0604020202020204" pitchFamily="34" charset="0"/>
+                <a:cs typeface="Arial" panose="020B0604020202020204" pitchFamily="34" charset="0"/>
+              </a:rPr>
+              <a:t>]</a:t>
+            </a:r>
+          </a:p>
+          <a:p>
+            <a:pPr marL="285750" indent="-285750">
+              <a:lnSpc>
+                <a:spcPct val="150000"/>
+              </a:lnSpc>
+              <a:buFontTx/>
+              <a:buChar char="-"/>
+            </a:pPr>
+            <a:r>
+              <a:rPr lang="ko-KR" altLang="en-US" sz="1600" dirty="0" smtClean="0">
+                <a:latin typeface="Arial" panose="020B0604020202020204" pitchFamily="34" charset="0"/>
+                <a:cs typeface="Arial" panose="020B0604020202020204" pitchFamily="34" charset="0"/>
+              </a:rPr>
+              <a:t>본 논문에서는 </a:t>
+            </a:r>
+            <a:r>
+              <a:rPr lang="en-US" altLang="ko-KR" sz="1600" dirty="0" smtClean="0">
+                <a:latin typeface="Arial" panose="020B0604020202020204" pitchFamily="34" charset="0"/>
+                <a:cs typeface="Arial" panose="020B0604020202020204" pitchFamily="34" charset="0"/>
+              </a:rPr>
+              <a:t>machine learning </a:t>
+            </a:r>
+            <a:r>
+              <a:rPr lang="ko-KR" altLang="en-US" sz="1600" dirty="0" smtClean="0">
+                <a:latin typeface="Arial" panose="020B0604020202020204" pitchFamily="34" charset="0"/>
+                <a:cs typeface="Arial" panose="020B0604020202020204" pitchFamily="34" charset="0"/>
+              </a:rPr>
+              <a:t>알고리즘 </a:t>
+            </a:r>
+            <a:r>
+              <a:rPr lang="en-US" altLang="ko-KR" sz="1600" dirty="0" smtClean="0">
+                <a:latin typeface="Arial" panose="020B0604020202020204" pitchFamily="34" charset="0"/>
+                <a:cs typeface="Arial" panose="020B0604020202020204" pitchFamily="34" charset="0"/>
+              </a:rPr>
+              <a:t>Additive Reinforcement Learning(ARL)</a:t>
+            </a:r>
+            <a:r>
+              <a:rPr lang="ko-KR" altLang="en-US" sz="1600" dirty="0" smtClean="0">
+                <a:latin typeface="Arial" panose="020B0604020202020204" pitchFamily="34" charset="0"/>
+                <a:cs typeface="Arial" panose="020B0604020202020204" pitchFamily="34" charset="0"/>
+              </a:rPr>
+              <a:t>과</a:t>
+            </a:r>
+            <a:r>
+              <a:rPr lang="en-US" altLang="ko-KR" sz="1600" dirty="0">
+                <a:latin typeface="Arial" panose="020B0604020202020204" pitchFamily="34" charset="0"/>
+                <a:cs typeface="Arial" panose="020B0604020202020204" pitchFamily="34" charset="0"/>
+              </a:rPr>
+              <a:t> </a:t>
+            </a:r>
+            <a:r>
+              <a:rPr lang="en-US" altLang="ko-KR" sz="1600" dirty="0" smtClean="0">
+                <a:latin typeface="Arial" panose="020B0604020202020204" pitchFamily="34" charset="0"/>
+                <a:cs typeface="Arial" panose="020B0604020202020204" pitchFamily="34" charset="0"/>
+              </a:rPr>
+              <a:t>deep learning </a:t>
+            </a:r>
+            <a:r>
+              <a:rPr lang="ko-KR" altLang="en-US" sz="1600" dirty="0" smtClean="0">
+                <a:latin typeface="Arial" panose="020B0604020202020204" pitchFamily="34" charset="0"/>
+                <a:cs typeface="Arial" panose="020B0604020202020204" pitchFamily="34" charset="0"/>
+              </a:rPr>
+              <a:t>알고리즘 </a:t>
+            </a:r>
+            <a:r>
+              <a:rPr lang="en-US" altLang="ko-KR" sz="1600" dirty="0" err="1" smtClean="0">
+                <a:latin typeface="Arial" panose="020B0604020202020204" pitchFamily="34" charset="0"/>
+                <a:cs typeface="Arial" panose="020B0604020202020204" pitchFamily="34" charset="0"/>
+              </a:rPr>
+              <a:t>Aritifical</a:t>
+            </a:r>
+            <a:r>
+              <a:rPr lang="en-US" altLang="ko-KR" sz="1600" dirty="0" smtClean="0">
+                <a:latin typeface="Arial" panose="020B0604020202020204" pitchFamily="34" charset="0"/>
+                <a:cs typeface="Arial" panose="020B0604020202020204" pitchFamily="34" charset="0"/>
+              </a:rPr>
+              <a:t> Neural Network(ANN)</a:t>
+            </a:r>
+            <a:r>
+              <a:rPr lang="ko-KR" altLang="en-US" sz="1600" dirty="0" smtClean="0">
+                <a:latin typeface="Arial" panose="020B0604020202020204" pitchFamily="34" charset="0"/>
+                <a:cs typeface="Arial" panose="020B0604020202020204" pitchFamily="34" charset="0"/>
+              </a:rPr>
+              <a:t>을 사용하여  </a:t>
+            </a:r>
+            <a:r>
+              <a:rPr lang="en-US" altLang="ko-KR" sz="1600" dirty="0" smtClean="0">
+                <a:latin typeface="Arial" panose="020B0604020202020204" pitchFamily="34" charset="0"/>
+                <a:cs typeface="Arial" panose="020B0604020202020204" pitchFamily="34" charset="0"/>
+              </a:rPr>
+              <a:t>1D DBR</a:t>
+            </a:r>
+            <a:r>
+              <a:rPr lang="ko-KR" altLang="en-US" sz="1600" dirty="0" smtClean="0">
+                <a:latin typeface="Arial" panose="020B0604020202020204" pitchFamily="34" charset="0"/>
+                <a:cs typeface="Arial" panose="020B0604020202020204" pitchFamily="34" charset="0"/>
+              </a:rPr>
+              <a:t>과 </a:t>
+            </a:r>
+            <a:r>
+              <a:rPr lang="en-US" altLang="ko-KR" sz="1600" dirty="0" smtClean="0">
+                <a:latin typeface="Arial" panose="020B0604020202020204" pitchFamily="34" charset="0"/>
+                <a:cs typeface="Arial" panose="020B0604020202020204" pitchFamily="34" charset="0"/>
+              </a:rPr>
+              <a:t>1x2 power splitter</a:t>
+            </a:r>
+            <a:r>
+              <a:rPr lang="ko-KR" altLang="en-US" sz="1600" dirty="0" smtClean="0">
+                <a:latin typeface="Arial" panose="020B0604020202020204" pitchFamily="34" charset="0"/>
+                <a:cs typeface="Arial" panose="020B0604020202020204" pitchFamily="34" charset="0"/>
+              </a:rPr>
+              <a:t>를 설계할 것이다</a:t>
+            </a:r>
+            <a:r>
+              <a:rPr lang="en-US" altLang="ko-KR" sz="1600" dirty="0" smtClean="0">
+                <a:latin typeface="Arial" panose="020B0604020202020204" pitchFamily="34" charset="0"/>
+                <a:cs typeface="Arial" panose="020B0604020202020204" pitchFamily="34" charset="0"/>
+              </a:rPr>
+              <a:t>.</a:t>
             </a:r>
             <a:endParaRPr lang="en-US" altLang="ko-KR" sz="1600" dirty="0">
               <a:latin typeface="Arial" panose="020B0604020202020204" pitchFamily="34" charset="0"/>
@@ -38631,7 +39348,7 @@
           <a:p>
             <a:fld id="{9B9B7D2E-B202-4D7A-9519-0C490A04EB9C}" type="datetime1">
               <a:rPr lang="ko-KR" altLang="en-US" smtClean="0"/>
-              <a:t>2019-09-25</a:t>
+              <a:t>2019-09-26</a:t>
             </a:fld>
             <a:endParaRPr lang="ko-KR" altLang="en-US"/>
           </a:p>
@@ -38871,16 +39588,7 @@
                 </a:solidFill>
                 <a:latin typeface="Times New Roman" panose="02020603050405020304" pitchFamily="18" charset="0"/>
               </a:rPr>
-              <a:t>M</a:t>
-            </a:r>
-            <a:r>
-              <a:rPr lang="en-US" altLang="ko-KR" sz="1200" dirty="0">
-                <a:solidFill>
-                  <a:srgbClr val="333333"/>
-                </a:solidFill>
-                <a:latin typeface="Times New Roman" panose="02020603050405020304" pitchFamily="18" charset="0"/>
-              </a:rPr>
-              <a:t>. H. </a:t>
+              <a:t>M. H. </a:t>
             </a:r>
             <a:r>
               <a:rPr lang="en-US" altLang="ko-KR" sz="1200" dirty="0" err="1">
@@ -39340,7 +40048,7 @@
           <a:p>
             <a:fld id="{9B9B7D2E-B202-4D7A-9519-0C490A04EB9C}" type="datetime1">
               <a:rPr lang="ko-KR" altLang="en-US" smtClean="0"/>
-              <a:t>2019-09-25</a:t>
+              <a:t>2019-09-26</a:t>
             </a:fld>
             <a:endParaRPr lang="ko-KR" altLang="en-US"/>
           </a:p>
@@ -39506,8 +40214,8 @@
             </a:p>
           </p:txBody>
         </p:sp>
-        <mc:AlternateContent xmlns:mc="http://schemas.openxmlformats.org/markup-compatibility/2006">
-          <mc:Choice xmlns:a14="http://schemas.microsoft.com/office/drawing/2010/main" Requires="a14">
+        <mc:AlternateContent xmlns:mc="http://schemas.openxmlformats.org/markup-compatibility/2006" xmlns:a14="http://schemas.microsoft.com/office/drawing/2010/main">
+          <mc:Choice Requires="a14">
             <p:sp>
               <p:nvSpPr>
                 <p:cNvPr id="48" name="TextBox 47"/>
@@ -39627,7 +40335,7 @@
               </p:txBody>
             </p:sp>
           </mc:Choice>
-          <mc:Fallback>
+          <mc:Fallback xmlns="">
             <p:sp>
               <p:nvSpPr>
                 <p:cNvPr id="48" name="TextBox 47"/>
@@ -39698,8 +40406,8 @@
           </a:p>
         </p:txBody>
       </p:sp>
-      <mc:AlternateContent xmlns:mc="http://schemas.openxmlformats.org/markup-compatibility/2006">
-        <mc:Choice xmlns:a14="http://schemas.microsoft.com/office/drawing/2010/main" Requires="a14">
+      <mc:AlternateContent xmlns:mc="http://schemas.openxmlformats.org/markup-compatibility/2006" xmlns:a14="http://schemas.microsoft.com/office/drawing/2010/main">
+        <mc:Choice Requires="a14">
           <p:sp>
             <p:nvSpPr>
               <p:cNvPr id="11" name="TextBox 10"/>
@@ -39817,7 +40525,7 @@
             </p:txBody>
           </p:sp>
         </mc:Choice>
-        <mc:Fallback>
+        <mc:Fallback xmlns="">
           <p:sp>
             <p:nvSpPr>
               <p:cNvPr id="11" name="TextBox 10"/>
@@ -40593,19 +41301,8 @@
                 <a:latin typeface="Arial" panose="020B0604020202020204" pitchFamily="34" charset="0"/>
                 <a:cs typeface="Arial" panose="020B0604020202020204" pitchFamily="34" charset="0"/>
               </a:rPr>
-              <a:t>Perceptron-like machine learning </a:t>
-            </a:r>
-            <a:r>
-              <a:rPr lang="en-US" altLang="ko-KR" sz="1600" b="1" dirty="0" smtClean="0">
-                <a:latin typeface="Arial" panose="020B0604020202020204" pitchFamily="34" charset="0"/>
-                <a:cs typeface="Arial" panose="020B0604020202020204" pitchFamily="34" charset="0"/>
-              </a:rPr>
-              <a:t>algorithm[21]</a:t>
-            </a:r>
-            <a:endParaRPr lang="en-US" altLang="ko-KR" sz="1600" b="1" dirty="0" smtClean="0">
-              <a:latin typeface="Arial" panose="020B0604020202020204" pitchFamily="34" charset="0"/>
-              <a:cs typeface="Arial" panose="020B0604020202020204" pitchFamily="34" charset="0"/>
-            </a:endParaRPr>
+              <a:t>Perceptron-like machine learning algorithm[21]</a:t>
+            </a:r>
           </a:p>
           <a:p>
             <a:pPr marL="285750" indent="-285750">
@@ -40636,10 +41333,6 @@
               </a:rPr>
               <a:t>learning”[22]</a:t>
             </a:r>
-            <a:endParaRPr lang="en-US" altLang="ko-KR" sz="1600" dirty="0" smtClean="0">
-              <a:latin typeface="Arial" panose="020B0604020202020204" pitchFamily="34" charset="0"/>
-              <a:cs typeface="Arial" panose="020B0604020202020204" pitchFamily="34" charset="0"/>
-            </a:endParaRPr>
           </a:p>
           <a:p>
             <a:pPr marL="285750" indent="-285750">
@@ -44155,7 +44848,7 @@
         <p:spPr>
           <a:xfrm>
             <a:off x="1" y="400110"/>
-            <a:ext cx="12191999" cy="3416320"/>
+            <a:ext cx="12191999" cy="3785652"/>
           </a:xfrm>
           <a:prstGeom prst="rect">
             <a:avLst/>
@@ -44178,26 +44871,8 @@
                 <a:latin typeface="Arial" panose="020B0604020202020204" pitchFamily="34" charset="0"/>
                 <a:cs typeface="Arial" panose="020B0604020202020204" pitchFamily="34" charset="0"/>
               </a:rPr>
-              <a:t>Inverse Design with Artificial </a:t>
-            </a:r>
-            <a:r>
-              <a:rPr lang="en-US" altLang="ko-KR" sz="1600" dirty="0" smtClean="0">
-                <a:latin typeface="Arial" panose="020B0604020202020204" pitchFamily="34" charset="0"/>
-                <a:cs typeface="Arial" panose="020B0604020202020204" pitchFamily="34" charset="0"/>
-              </a:rPr>
-              <a:t>Neural Network (ANN</a:t>
-            </a:r>
-            <a:r>
-              <a:rPr lang="en-US" altLang="ko-KR" sz="1600" dirty="0" smtClean="0">
-                <a:latin typeface="Arial" panose="020B0604020202020204" pitchFamily="34" charset="0"/>
-                <a:cs typeface="Arial" panose="020B0604020202020204" pitchFamily="34" charset="0"/>
-              </a:rPr>
-              <a:t>)</a:t>
-            </a:r>
-            <a:endParaRPr lang="en-US" altLang="ko-KR" sz="1600" dirty="0" smtClean="0">
-              <a:latin typeface="Arial" panose="020B0604020202020204" pitchFamily="34" charset="0"/>
-              <a:cs typeface="Arial" panose="020B0604020202020204" pitchFamily="34" charset="0"/>
-            </a:endParaRPr>
+              <a:t>Inverse Design with Artificial Neural Network (ANN)</a:t>
+            </a:r>
           </a:p>
           <a:p>
             <a:pPr marL="285750" indent="-285750">
@@ -44242,10 +44917,6 @@
               </a:rPr>
               <a:t>. [23]</a:t>
             </a:r>
-            <a:endParaRPr lang="en-US" altLang="ko-KR" sz="1600" b="1" dirty="0" smtClean="0">
-              <a:latin typeface="Arial" panose="020B0604020202020204" pitchFamily="34" charset="0"/>
-              <a:cs typeface="Arial" panose="020B0604020202020204" pitchFamily="34" charset="0"/>
-            </a:endParaRPr>
           </a:p>
           <a:p>
             <a:pPr marL="285750" indent="-285750">
@@ -44345,7 +45016,58 @@
                 <a:latin typeface="Arial" panose="020B0604020202020204" pitchFamily="34" charset="0"/>
                 <a:cs typeface="Arial" panose="020B0604020202020204" pitchFamily="34" charset="0"/>
               </a:rPr>
-              <a:t>“The parameters are then optimized efficiently with the gradient descent method.”</a:t>
+              <a:t>“The parameters are then optimized efficiently with the gradient descent method</a:t>
+            </a:r>
+            <a:r>
+              <a:rPr lang="en-US" altLang="ko-KR" sz="1600" dirty="0" smtClean="0">
+                <a:latin typeface="Arial" panose="020B0604020202020204" pitchFamily="34" charset="0"/>
+                <a:cs typeface="Arial" panose="020B0604020202020204" pitchFamily="34" charset="0"/>
+              </a:rPr>
+              <a:t>.”</a:t>
+            </a:r>
+          </a:p>
+          <a:p>
+            <a:pPr marL="285750" indent="-285750">
+              <a:lnSpc>
+                <a:spcPct val="150000"/>
+              </a:lnSpc>
+              <a:buFontTx/>
+              <a:buChar char="-"/>
+            </a:pPr>
+            <a:r>
+              <a:rPr lang="en-US" altLang="ko-KR" sz="1600" dirty="0" err="1" smtClean="0">
+                <a:latin typeface="Arial" panose="020B0604020202020204" pitchFamily="34" charset="0"/>
+                <a:cs typeface="Arial" panose="020B0604020202020204" pitchFamily="34" charset="0"/>
+              </a:rPr>
+              <a:t>Tensorflow</a:t>
+            </a:r>
+            <a:r>
+              <a:rPr lang="ko-KR" altLang="en-US" sz="1600" dirty="0" smtClean="0">
+                <a:latin typeface="Arial" panose="020B0604020202020204" pitchFamily="34" charset="0"/>
+                <a:cs typeface="Arial" panose="020B0604020202020204" pitchFamily="34" charset="0"/>
+              </a:rPr>
+              <a:t>를 사용하여 </a:t>
+            </a:r>
+            <a:r>
+              <a:rPr lang="en-US" altLang="ko-KR" sz="1600" dirty="0" smtClean="0">
+                <a:latin typeface="Arial" panose="020B0604020202020204" pitchFamily="34" charset="0"/>
+                <a:cs typeface="Arial" panose="020B0604020202020204" pitchFamily="34" charset="0"/>
+              </a:rPr>
+              <a:t>ANN  </a:t>
+            </a:r>
+            <a:r>
+              <a:rPr lang="ko-KR" altLang="en-US" sz="1600" dirty="0" smtClean="0">
+                <a:latin typeface="Arial" panose="020B0604020202020204" pitchFamily="34" charset="0"/>
+                <a:cs typeface="Arial" panose="020B0604020202020204" pitchFamily="34" charset="0"/>
+              </a:rPr>
+              <a:t>구현</a:t>
+            </a:r>
+            <a:r>
+              <a:rPr lang="en-US" altLang="ko-KR" sz="1600" dirty="0" smtClean="0">
+                <a:latin typeface="Arial" panose="020B0604020202020204" pitchFamily="34" charset="0"/>
+                <a:cs typeface="Arial" panose="020B0604020202020204" pitchFamily="34" charset="0"/>
+              </a:rPr>
+              <a:t>[29]</a:t>
             </a:r>
             <a:endParaRPr lang="en-US" altLang="ko-KR" sz="1600" dirty="0" smtClean="0">
               <a:latin typeface="Arial" panose="020B0604020202020204" pitchFamily="34" charset="0"/>
@@ -44390,7 +45112,7 @@
         <p:spPr>
           <a:xfrm>
             <a:off x="1" y="5037306"/>
-            <a:ext cx="12192000" cy="1169551"/>
+            <a:ext cx="12192000" cy="1323439"/>
           </a:xfrm>
           <a:prstGeom prst="rect">
             <a:avLst/>
@@ -44902,8 +45624,56 @@
                 </a:solidFill>
                 <a:latin typeface="Times New Roman" panose="02020603050405020304" pitchFamily="18" charset="0"/>
               </a:rPr>
-              <a:t> grating coupler,” Scientific Reports, vol. 4, no. 1, 2014.</a:t>
-            </a:r>
+              <a:t> grating coupler,” Scientific Reports, vol. 4, no. 1, 2014</a:t>
+            </a:r>
+            <a:r>
+              <a:rPr lang="en-US" altLang="ko-KR" sz="1000" dirty="0" smtClean="0">
+                <a:solidFill>
+                  <a:srgbClr val="333333"/>
+                </a:solidFill>
+                <a:latin typeface="Times New Roman" panose="02020603050405020304" pitchFamily="18" charset="0"/>
+              </a:rPr>
+              <a:t>.</a:t>
+            </a:r>
+          </a:p>
+          <a:p>
+            <a:pPr marL="228600" indent="-228600">
+              <a:buFont typeface="+mj-lt"/>
+              <a:buAutoNum type="arabicParenR" startAt="23"/>
+            </a:pPr>
+            <a:r>
+              <a:rPr lang="en-US" altLang="ko-KR" sz="1000" dirty="0">
+                <a:solidFill>
+                  <a:srgbClr val="333333"/>
+                </a:solidFill>
+                <a:latin typeface="Times New Roman" panose="02020603050405020304" pitchFamily="18" charset="0"/>
+              </a:rPr>
+              <a:t>arXiv:1605.08695 [</a:t>
+            </a:r>
+            <a:r>
+              <a:rPr lang="en-US" altLang="ko-KR" sz="1000" dirty="0" err="1">
+                <a:solidFill>
+                  <a:srgbClr val="333333"/>
+                </a:solidFill>
+                <a:latin typeface="Times New Roman" panose="02020603050405020304" pitchFamily="18" charset="0"/>
+              </a:rPr>
+              <a:t>cs.DC</a:t>
+            </a:r>
+            <a:r>
+              <a:rPr lang="en-US" altLang="ko-KR" sz="1000" dirty="0">
+                <a:solidFill>
+                  <a:srgbClr val="333333"/>
+                </a:solidFill>
+                <a:latin typeface="Times New Roman" panose="02020603050405020304" pitchFamily="18" charset="0"/>
+              </a:rPr>
+              <a:t>]</a:t>
+            </a:r>
+            <a:endParaRPr lang="en-US" altLang="ko-KR" sz="1000" dirty="0">
+              <a:solidFill>
+                <a:srgbClr val="333333"/>
+              </a:solidFill>
+              <a:latin typeface="Times New Roman" panose="02020603050405020304" pitchFamily="18" charset="0"/>
+            </a:endParaRPr>
           </a:p>
         </p:txBody>
       </p:sp>
@@ -45942,8 +46712,8 @@
             <a:chExt cx="4648332" cy="560348"/>
           </a:xfrm>
         </p:grpSpPr>
-        <mc:AlternateContent xmlns:mc="http://schemas.openxmlformats.org/markup-compatibility/2006">
-          <mc:Choice xmlns:a14="http://schemas.microsoft.com/office/drawing/2010/main" Requires="a14">
+        <mc:AlternateContent xmlns:mc="http://schemas.openxmlformats.org/markup-compatibility/2006" xmlns:a14="http://schemas.microsoft.com/office/drawing/2010/main">
+          <mc:Choice Requires="a14">
             <p:sp>
               <p:nvSpPr>
                 <p:cNvPr id="6" name="TextBox 5"/>
@@ -46007,7 +46777,7 @@
               </p:txBody>
             </p:sp>
           </mc:Choice>
-          <mc:Fallback>
+          <mc:Fallback xmlns="">
             <p:sp>
               <p:nvSpPr>
                 <p:cNvPr id="6" name="TextBox 5"/>
@@ -46046,8 +46816,8 @@
             </p:sp>
           </mc:Fallback>
         </mc:AlternateContent>
-        <mc:AlternateContent xmlns:mc="http://schemas.openxmlformats.org/markup-compatibility/2006">
-          <mc:Choice xmlns:a14="http://schemas.microsoft.com/office/drawing/2010/main" Requires="a14">
+        <mc:AlternateContent xmlns:mc="http://schemas.openxmlformats.org/markup-compatibility/2006" xmlns:a14="http://schemas.microsoft.com/office/drawing/2010/main">
+          <mc:Choice Requires="a14">
             <p:sp>
               <p:nvSpPr>
                 <p:cNvPr id="7" name="TextBox 6"/>
@@ -46114,7 +46884,7 @@
               </p:txBody>
             </p:sp>
           </mc:Choice>
-          <mc:Fallback>
+          <mc:Fallback xmlns="">
             <p:sp>
               <p:nvSpPr>
                 <p:cNvPr id="7" name="TextBox 6"/>
@@ -46153,8 +46923,8 @@
             </p:sp>
           </mc:Fallback>
         </mc:AlternateContent>
-        <mc:AlternateContent xmlns:mc="http://schemas.openxmlformats.org/markup-compatibility/2006">
-          <mc:Choice xmlns:a14="http://schemas.microsoft.com/office/drawing/2010/main" Requires="a14">
+        <mc:AlternateContent xmlns:mc="http://schemas.openxmlformats.org/markup-compatibility/2006" xmlns:a14="http://schemas.microsoft.com/office/drawing/2010/main">
+          <mc:Choice Requires="a14">
             <p:sp>
               <p:nvSpPr>
                 <p:cNvPr id="8" name="TextBox 7"/>
@@ -46220,7 +46990,7 @@
               </p:txBody>
             </p:sp>
           </mc:Choice>
-          <mc:Fallback>
+          <mc:Fallback xmlns="">
             <p:sp>
               <p:nvSpPr>
                 <p:cNvPr id="8" name="TextBox 7"/>
@@ -46259,8 +47029,8 @@
             </p:sp>
           </mc:Fallback>
         </mc:AlternateContent>
-        <mc:AlternateContent xmlns:mc="http://schemas.openxmlformats.org/markup-compatibility/2006">
-          <mc:Choice xmlns:a14="http://schemas.microsoft.com/office/drawing/2010/main" Requires="a14">
+        <mc:AlternateContent xmlns:mc="http://schemas.openxmlformats.org/markup-compatibility/2006" xmlns:a14="http://schemas.microsoft.com/office/drawing/2010/main">
+          <mc:Choice Requires="a14">
             <p:sp>
               <p:nvSpPr>
                 <p:cNvPr id="9" name="TextBox 8"/>
@@ -46326,7 +47096,7 @@
               </p:txBody>
             </p:sp>
           </mc:Choice>
-          <mc:Fallback>
+          <mc:Fallback xmlns="">
             <p:sp>
               <p:nvSpPr>
                 <p:cNvPr id="9" name="TextBox 8"/>
@@ -46572,8 +47342,8 @@
             </a:p>
           </p:txBody>
         </p:sp>
-        <mc:AlternateContent xmlns:mc="http://schemas.openxmlformats.org/markup-compatibility/2006">
-          <mc:Choice xmlns:a14="http://schemas.microsoft.com/office/drawing/2010/main" Requires="a14">
+        <mc:AlternateContent xmlns:mc="http://schemas.openxmlformats.org/markup-compatibility/2006" xmlns:a14="http://schemas.microsoft.com/office/drawing/2010/main">
+          <mc:Choice Requires="a14">
             <p:sp>
               <p:nvSpPr>
                 <p:cNvPr id="25" name="TextBox 24"/>
@@ -46623,7 +47393,7 @@
                             <m:sSub>
                               <m:sSubPr>
                                 <m:ctrlPr>
-                                  <a:rPr lang="en-US" altLang="ko-KR" b="0" i="0" smtClean="0">
+                                  <a:rPr lang="en-US" altLang="ko-KR" b="0" i="1" smtClean="0">
                                     <a:latin typeface="Cambria Math" panose="02040503050406030204" pitchFamily="18" charset="0"/>
                                   </a:rPr>
                                 </m:ctrlPr>
@@ -46671,7 +47441,7 @@
                         <m:sSub>
                           <m:sSubPr>
                             <m:ctrlPr>
-                              <a:rPr lang="en-US" altLang="ko-KR" b="0" i="0" smtClean="0">
+                              <a:rPr lang="en-US" altLang="ko-KR" b="0" i="1" smtClean="0">
                                 <a:latin typeface="Cambria Math" panose="02040503050406030204" pitchFamily="18" charset="0"/>
                               </a:rPr>
                             </m:ctrlPr>
@@ -46707,7 +47477,7 @@
               </p:txBody>
             </p:sp>
           </mc:Choice>
-          <mc:Fallback>
+          <mc:Fallback xmlns="">
             <p:sp>
               <p:nvSpPr>
                 <p:cNvPr id="25" name="TextBox 24"/>
@@ -46836,8 +47606,8 @@
           </a:fontRef>
         </p:style>
       </p:cxnSp>
-      <mc:AlternateContent xmlns:mc="http://schemas.openxmlformats.org/markup-compatibility/2006">
-        <mc:Choice xmlns:a14="http://schemas.microsoft.com/office/drawing/2010/main" Requires="a14">
+      <mc:AlternateContent xmlns:mc="http://schemas.openxmlformats.org/markup-compatibility/2006" xmlns:a14="http://schemas.microsoft.com/office/drawing/2010/main">
+        <mc:Choice Requires="a14">
           <p:sp>
             <p:nvSpPr>
               <p:cNvPr id="40" name="TextBox 39"/>
@@ -46884,7 +47654,7 @@
             </p:txBody>
           </p:sp>
         </mc:Choice>
-        <mc:Fallback>
+        <mc:Fallback xmlns="">
           <p:sp>
             <p:nvSpPr>
               <p:cNvPr id="40" name="TextBox 39"/>
@@ -46923,8 +47693,8 @@
           </p:sp>
         </mc:Fallback>
       </mc:AlternateContent>
-      <mc:AlternateContent xmlns:mc="http://schemas.openxmlformats.org/markup-compatibility/2006">
-        <mc:Choice xmlns:a14="http://schemas.microsoft.com/office/drawing/2010/main" Requires="a14">
+      <mc:AlternateContent xmlns:mc="http://schemas.openxmlformats.org/markup-compatibility/2006" xmlns:a14="http://schemas.microsoft.com/office/drawing/2010/main">
+        <mc:Choice Requires="a14">
           <p:sp>
             <p:nvSpPr>
               <p:cNvPr id="41" name="TextBox 40"/>
@@ -47003,7 +47773,7 @@
             </p:txBody>
           </p:sp>
         </mc:Choice>
-        <mc:Fallback>
+        <mc:Fallback xmlns="">
           <p:sp>
             <p:nvSpPr>
               <p:cNvPr id="41" name="TextBox 40"/>
@@ -47229,47 +47999,7 @@
                 <a:latin typeface="Arial" panose="020B0604020202020204" pitchFamily="34" charset="0"/>
                 <a:cs typeface="Arial" panose="020B0604020202020204" pitchFamily="34" charset="0"/>
               </a:rPr>
-              <a:t>A. Y. </a:t>
-            </a:r>
-            <a:r>
-              <a:rPr lang="en-US" altLang="ko-KR" sz="1000" dirty="0">
-                <a:solidFill>
-                  <a:srgbClr val="333333"/>
-                </a:solidFill>
-                <a:latin typeface="Arial" panose="020B0604020202020204" pitchFamily="34" charset="0"/>
-                <a:cs typeface="Arial" panose="020B0604020202020204" pitchFamily="34" charset="0"/>
-              </a:rPr>
-              <a:t>Piggott et al</a:t>
-            </a:r>
-            <a:r>
-              <a:rPr lang="en-US" altLang="ko-KR" sz="1000" dirty="0">
-                <a:solidFill>
-                  <a:srgbClr val="333333"/>
-                </a:solidFill>
-                <a:latin typeface="Arial" panose="020B0604020202020204" pitchFamily="34" charset="0"/>
-                <a:cs typeface="Arial" panose="020B0604020202020204" pitchFamily="34" charset="0"/>
-              </a:rPr>
-              <a:t>.</a:t>
-            </a:r>
-            <a:r>
-              <a:rPr lang="en-US" altLang="ko-KR" sz="1000" dirty="0">
-                <a:solidFill>
-                  <a:srgbClr val="333333"/>
-                </a:solidFill>
-                <a:latin typeface="Arial" panose="020B0604020202020204" pitchFamily="34" charset="0"/>
-                <a:cs typeface="Arial" panose="020B0604020202020204" pitchFamily="34" charset="0"/>
-              </a:rPr>
-              <a:t>, </a:t>
-            </a:r>
-            <a:r>
-              <a:rPr lang="en-US" altLang="ko-KR" sz="1000" dirty="0">
-                <a:solidFill>
-                  <a:srgbClr val="333333"/>
-                </a:solidFill>
-                <a:latin typeface="Arial" panose="020B0604020202020204" pitchFamily="34" charset="0"/>
-                <a:cs typeface="Arial" panose="020B0604020202020204" pitchFamily="34" charset="0"/>
-              </a:rPr>
-              <a:t> </a:t>
+              <a:t>A. Y. Piggott et al.,  </a:t>
             </a:r>
             <a:r>
               <a:rPr lang="en-US" altLang="ko-KR" sz="1000" i="1" dirty="0">
